--- a/DOCS/PRESENTATION.pptx
+++ b/DOCS/PRESENTATION.pptx
@@ -5,37 +5,37 @@
     <p:sldMasterId id="2147483648" r:id="rId1"/>
   </p:sldMasterIdLst>
   <p:sldIdLst>
-    <p:sldId id="256" r:id="rId2"/>
-    <p:sldId id="257" r:id="rId3"/>
-    <p:sldId id="258" r:id="rId4"/>
-    <p:sldId id="259" r:id="rId5"/>
-    <p:sldId id="260" r:id="rId6"/>
-    <p:sldId id="261" r:id="rId7"/>
-    <p:sldId id="262" r:id="rId8"/>
-    <p:sldId id="263" r:id="rId9"/>
-    <p:sldId id="264" r:id="rId10"/>
-    <p:sldId id="265" r:id="rId11"/>
-    <p:sldId id="266" r:id="rId12"/>
-    <p:sldId id="269" r:id="rId13"/>
-    <p:sldId id="270" r:id="rId14"/>
-    <p:sldId id="267" r:id="rId15"/>
-    <p:sldId id="268" r:id="rId16"/>
-    <p:sldId id="271" r:id="rId17"/>
-    <p:sldId id="272" r:id="rId18"/>
-    <p:sldId id="273" r:id="rId19"/>
-    <p:sldId id="274" r:id="rId20"/>
-    <p:sldId id="275" r:id="rId21"/>
-    <p:sldId id="276" r:id="rId22"/>
-    <p:sldId id="277" r:id="rId23"/>
-    <p:sldId id="278" r:id="rId24"/>
-    <p:sldId id="279" r:id="rId25"/>
-    <p:sldId id="280" r:id="rId26"/>
-    <p:sldId id="281" r:id="rId27"/>
-    <p:sldId id="282" r:id="rId28"/>
-    <p:sldId id="283" r:id="rId29"/>
-    <p:sldId id="284" r:id="rId30"/>
-    <p:sldId id="285" r:id="rId31"/>
-    <p:sldId id="286" r:id="rId32"/>
+    <p:sldId id="256" r:id="rId3"/>
+    <p:sldId id="257" r:id="rId4"/>
+    <p:sldId id="258" r:id="rId5"/>
+    <p:sldId id="259" r:id="rId6"/>
+    <p:sldId id="260" r:id="rId7"/>
+    <p:sldId id="261" r:id="rId8"/>
+    <p:sldId id="262" r:id="rId9"/>
+    <p:sldId id="263" r:id="rId10"/>
+    <p:sldId id="264" r:id="rId11"/>
+    <p:sldId id="265" r:id="rId12"/>
+    <p:sldId id="266" r:id="rId13"/>
+    <p:sldId id="269" r:id="rId14"/>
+    <p:sldId id="270" r:id="rId15"/>
+    <p:sldId id="267" r:id="rId16"/>
+    <p:sldId id="268" r:id="rId17"/>
+    <p:sldId id="271" r:id="rId18"/>
+    <p:sldId id="272" r:id="rId19"/>
+    <p:sldId id="273" r:id="rId20"/>
+    <p:sldId id="274" r:id="rId21"/>
+    <p:sldId id="275" r:id="rId22"/>
+    <p:sldId id="276" r:id="rId23"/>
+    <p:sldId id="277" r:id="rId24"/>
+    <p:sldId id="278" r:id="rId25"/>
+    <p:sldId id="279" r:id="rId26"/>
+    <p:sldId id="280" r:id="rId27"/>
+    <p:sldId id="281" r:id="rId28"/>
+    <p:sldId id="282" r:id="rId29"/>
+    <p:sldId id="283" r:id="rId30"/>
+    <p:sldId id="284" r:id="rId31"/>
+    <p:sldId id="285" r:id="rId32"/>
+    <p:sldId id="286" r:id="rId33"/>
   </p:sldIdLst>
   <p:sldSz cx="12192000" cy="6858000"/>
   <p:notesSz cx="6858000" cy="9144000"/>
@@ -134,68 +134,11 @@
       </a:defRPr>
     </a:lvl9pPr>
   </p:defaultTextStyle>
-  <p:extLst>
-    <p:ext uri="{EFAFB233-063F-42B5-8137-9DF3F51BA10A}">
-      <p15:sldGuideLst xmlns:p15="http://schemas.microsoft.com/office/powerpoint/2012/main"/>
-    </p:ext>
-  </p:extLst>
 </p:presentation>
 </file>
 
-<file path=ppt/revisionInfo.xml><?xml version="1.0" encoding="utf-8"?>
-<p1510:revInfo xmlns:a="http://schemas.openxmlformats.org/drawingml/2006/main" xmlns:r="http://schemas.openxmlformats.org/officeDocument/2006/relationships" xmlns:p1510="http://schemas.microsoft.com/office/powerpoint/2015/10/main">
-  <p1510:revLst>
-    <p1510:client id="{F0178A13-92B3-4522-8F5B-08F4E0E9F868}" v="1" dt="2025-04-04T20:56:03.750"/>
-  </p1510:revLst>
-</p1510:revInfo>
-</file>
-
-<file path=ppt/changesInfos/changesInfo1.xml><?xml version="1.0" encoding="utf-8"?>
-<pc:chgInfo xmlns:a="http://schemas.openxmlformats.org/drawingml/2006/main" xmlns:r="http://schemas.openxmlformats.org/officeDocument/2006/relationships" xmlns:ac="http://schemas.microsoft.com/office/drawing/2013/main/command" xmlns:pc="http://schemas.microsoft.com/office/powerpoint/2013/main/command">
-  <pc:docChgLst>
-    <pc:chgData name="Shivani Vemula" userId="3e531dfd1ff08e6f" providerId="LiveId" clId="{F0178A13-92B3-4522-8F5B-08F4E0E9F868}"/>
-    <pc:docChg chg="custSel modSld">
-      <pc:chgData name="Shivani Vemula" userId="3e531dfd1ff08e6f" providerId="LiveId" clId="{F0178A13-92B3-4522-8F5B-08F4E0E9F868}" dt="2025-04-04T21:01:49.098" v="236" actId="20577"/>
-      <pc:docMkLst>
-        <pc:docMk/>
-      </pc:docMkLst>
-      <pc:sldChg chg="modSp mod">
-        <pc:chgData name="Shivani Vemula" userId="3e531dfd1ff08e6f" providerId="LiveId" clId="{F0178A13-92B3-4522-8F5B-08F4E0E9F868}" dt="2025-04-04T20:51:18.353" v="0" actId="1076"/>
-        <pc:sldMkLst>
-          <pc:docMk/>
-          <pc:sldMk cId="712769185" sldId="256"/>
-        </pc:sldMkLst>
-        <pc:spChg chg="mod">
-          <ac:chgData name="Shivani Vemula" userId="3e531dfd1ff08e6f" providerId="LiveId" clId="{F0178A13-92B3-4522-8F5B-08F4E0E9F868}" dt="2025-04-04T20:51:18.353" v="0" actId="1076"/>
-          <ac:spMkLst>
-            <pc:docMk/>
-            <pc:sldMk cId="712769185" sldId="256"/>
-            <ac:spMk id="15" creationId="{03F3B564-183B-AB12-4DC2-B415141BC801}"/>
-          </ac:spMkLst>
-        </pc:spChg>
-      </pc:sldChg>
-      <pc:sldChg chg="addSp modSp mod">
-        <pc:chgData name="Shivani Vemula" userId="3e531dfd1ff08e6f" providerId="LiveId" clId="{F0178A13-92B3-4522-8F5B-08F4E0E9F868}" dt="2025-04-04T21:01:49.098" v="236" actId="20577"/>
-        <pc:sldMkLst>
-          <pc:docMk/>
-          <pc:sldMk cId="3020564899" sldId="257"/>
-        </pc:sldMkLst>
-        <pc:spChg chg="add mod">
-          <ac:chgData name="Shivani Vemula" userId="3e531dfd1ff08e6f" providerId="LiveId" clId="{F0178A13-92B3-4522-8F5B-08F4E0E9F868}" dt="2025-04-04T21:01:49.098" v="236" actId="20577"/>
-          <ac:spMkLst>
-            <pc:docMk/>
-            <pc:sldMk cId="3020564899" sldId="257"/>
-            <ac:spMk id="3" creationId="{B55FA52A-CCCD-62EF-1C3A-C1C8365BDBD8}"/>
-          </ac:spMkLst>
-        </pc:spChg>
-      </pc:sldChg>
-    </pc:docChg>
-  </pc:docChgLst>
-</pc:chgInfo>
-</file>
-
 <file path=ppt/slideLayouts/slideLayout1.xml><?xml version="1.0" encoding="utf-8"?>
-<p:sldLayout xmlns:a="http://schemas.openxmlformats.org/drawingml/2006/main" xmlns:r="http://schemas.openxmlformats.org/officeDocument/2006/relationships" xmlns:p="http://schemas.openxmlformats.org/presentationml/2006/main" showMasterSp="0" type="title" preserve="1">
+<p:sldLayout xmlns:a="http://schemas.openxmlformats.org/drawingml/2006/main" xmlns:r="http://schemas.openxmlformats.org/officeDocument/2006/relationships" xmlns:p="http://schemas.openxmlformats.org/presentationml/2006/main" type="title" preserve="1" showMasterSp="0">
   <p:cSld name="Title Slide">
     <p:bg>
       <p:bgPr>
@@ -363,8 +306,6 @@
           <a:p>
             <a:fld id="{87DE6118-2437-4B30-8E3C-4D2BE6020583}" type="datetimeFigureOut">
               <a:rPr lang="en-US" dirty="0"/>
-              <a:pPr/>
-              <a:t>4/5/2025</a:t>
             </a:fld>
             <a:endParaRPr lang="en-US" dirty="0"/>
           </a:p>
@@ -432,8 +373,6 @@
           <a:p>
             <a:fld id="{69E57DC2-970A-4B3E-BB1C-7A09969E49DF}" type="slidenum">
               <a:rPr lang="en-US" dirty="0"/>
-              <a:pPr/>
-              <a:t>‹#›</a:t>
             </a:fld>
             <a:endParaRPr lang="en-US" dirty="0"/>
           </a:p>
@@ -504,8 +443,6 @@
               <a:noFill/>
               <a:prstDash val="solid"/>
               <a:round/>
-              <a:headEnd/>
-              <a:tailEnd/>
             </a:ln>
           </p:spPr>
         </p:sp>
@@ -562,8 +499,6 @@
               <a:noFill/>
               <a:prstDash val="solid"/>
               <a:round/>
-              <a:headEnd/>
-              <a:tailEnd/>
             </a:ln>
           </p:spPr>
         </p:sp>
@@ -641,6 +576,7 @@
               <a:rPr lang="en-US"/>
               <a:t>Click to edit Master text styles</a:t>
             </a:r>
+            <a:endParaRPr lang="en-US"/>
           </a:p>
           <a:p>
             <a:pPr lvl="1"/>
@@ -648,6 +584,7 @@
               <a:rPr lang="en-US"/>
               <a:t>Second level</a:t>
             </a:r>
+            <a:endParaRPr lang="en-US"/>
           </a:p>
           <a:p>
             <a:pPr lvl="2"/>
@@ -655,6 +592,7 @@
               <a:rPr lang="en-US"/>
               <a:t>Third level</a:t>
             </a:r>
+            <a:endParaRPr lang="en-US"/>
           </a:p>
           <a:p>
             <a:pPr lvl="3"/>
@@ -662,6 +600,7 @@
               <a:rPr lang="en-US"/>
               <a:t>Fourth level</a:t>
             </a:r>
+            <a:endParaRPr lang="en-US"/>
           </a:p>
           <a:p>
             <a:pPr lvl="4"/>
@@ -690,7 +629,6 @@
           <a:p>
             <a:fld id="{87DE6118-2437-4B30-8E3C-4D2BE6020583}" type="datetimeFigureOut">
               <a:rPr lang="en-US" dirty="0"/>
-              <a:t>4/5/2025</a:t>
             </a:fld>
             <a:endParaRPr lang="en-US" dirty="0"/>
           </a:p>
@@ -732,7 +670,6 @@
           <a:p>
             <a:fld id="{69E57DC2-970A-4B3E-BB1C-7A09969E49DF}" type="slidenum">
               <a:rPr lang="en-US" dirty="0"/>
-              <a:t>‹#›</a:t>
             </a:fld>
             <a:endParaRPr lang="en-US" dirty="0"/>
           </a:p>
@@ -816,6 +753,7 @@
               <a:rPr lang="en-US"/>
               <a:t>Click to edit Master text styles</a:t>
             </a:r>
+            <a:endParaRPr lang="en-US"/>
           </a:p>
           <a:p>
             <a:pPr lvl="1"/>
@@ -823,6 +761,7 @@
               <a:rPr lang="en-US"/>
               <a:t>Second level</a:t>
             </a:r>
+            <a:endParaRPr lang="en-US"/>
           </a:p>
           <a:p>
             <a:pPr lvl="2"/>
@@ -830,6 +769,7 @@
               <a:rPr lang="en-US"/>
               <a:t>Third level</a:t>
             </a:r>
+            <a:endParaRPr lang="en-US"/>
           </a:p>
           <a:p>
             <a:pPr lvl="3"/>
@@ -837,6 +777,7 @@
               <a:rPr lang="en-US"/>
               <a:t>Fourth level</a:t>
             </a:r>
+            <a:endParaRPr lang="en-US"/>
           </a:p>
           <a:p>
             <a:pPr lvl="4"/>
@@ -865,7 +806,6 @@
           <a:p>
             <a:fld id="{87DE6118-2437-4B30-8E3C-4D2BE6020583}" type="datetimeFigureOut">
               <a:rPr lang="en-US" dirty="0"/>
-              <a:t>4/5/2025</a:t>
             </a:fld>
             <a:endParaRPr lang="en-US" dirty="0"/>
           </a:p>
@@ -907,7 +847,6 @@
           <a:p>
             <a:fld id="{69E57DC2-970A-4B3E-BB1C-7A09969E49DF}" type="slidenum">
               <a:rPr lang="en-US" dirty="0"/>
-              <a:t>‹#›</a:t>
             </a:fld>
             <a:endParaRPr lang="en-US" dirty="0"/>
           </a:p>
@@ -981,6 +920,7 @@
               <a:rPr lang="en-US"/>
               <a:t>Click to edit Master text styles</a:t>
             </a:r>
+            <a:endParaRPr lang="en-US"/>
           </a:p>
           <a:p>
             <a:pPr lvl="1"/>
@@ -988,6 +928,7 @@
               <a:rPr lang="en-US"/>
               <a:t>Second level</a:t>
             </a:r>
+            <a:endParaRPr lang="en-US"/>
           </a:p>
           <a:p>
             <a:pPr lvl="2"/>
@@ -995,6 +936,7 @@
               <a:rPr lang="en-US"/>
               <a:t>Third level</a:t>
             </a:r>
+            <a:endParaRPr lang="en-US"/>
           </a:p>
           <a:p>
             <a:pPr lvl="3"/>
@@ -1002,6 +944,7 @@
               <a:rPr lang="en-US"/>
               <a:t>Fourth level</a:t>
             </a:r>
+            <a:endParaRPr lang="en-US"/>
           </a:p>
           <a:p>
             <a:pPr lvl="4"/>
@@ -1030,7 +973,6 @@
           <a:p>
             <a:fld id="{87DE6118-2437-4B30-8E3C-4D2BE6020583}" type="datetimeFigureOut">
               <a:rPr lang="en-US" dirty="0"/>
-              <a:t>4/5/2025</a:t>
             </a:fld>
             <a:endParaRPr lang="en-US" dirty="0"/>
           </a:p>
@@ -1072,7 +1014,6 @@
           <a:p>
             <a:fld id="{69E57DC2-970A-4B3E-BB1C-7A09969E49DF}" type="slidenum">
               <a:rPr lang="en-US" dirty="0"/>
-              <a:t>‹#›</a:t>
             </a:fld>
             <a:endParaRPr lang="en-US" dirty="0"/>
           </a:p>
@@ -1087,7 +1028,7 @@
 </file>
 
 <file path=ppt/slideLayouts/slideLayout3.xml><?xml version="1.0" encoding="utf-8"?>
-<p:sldLayout xmlns:a="http://schemas.openxmlformats.org/drawingml/2006/main" xmlns:r="http://schemas.openxmlformats.org/officeDocument/2006/relationships" xmlns:p="http://schemas.openxmlformats.org/presentationml/2006/main" showMasterSp="0" type="secHead" preserve="1">
+<p:sldLayout xmlns:a="http://schemas.openxmlformats.org/drawingml/2006/main" xmlns:r="http://schemas.openxmlformats.org/officeDocument/2006/relationships" xmlns:p="http://schemas.openxmlformats.org/presentationml/2006/main" type="secHead" preserve="1" showMasterSp="0">
   <p:cSld name="Section Header">
     <p:bg>
       <p:bgRef idx="1001">
@@ -1269,6 +1210,7 @@
               <a:rPr lang="en-US"/>
               <a:t>Click to edit Master text styles</a:t>
             </a:r>
+            <a:endParaRPr lang="en-US"/>
           </a:p>
         </p:txBody>
       </p:sp>
@@ -1302,8 +1244,6 @@
           <a:p>
             <a:fld id="{87DE6118-2437-4B30-8E3C-4D2BE6020583}" type="datetimeFigureOut">
               <a:rPr lang="en-US" dirty="0"/>
-              <a:pPr/>
-              <a:t>4/5/2025</a:t>
             </a:fld>
             <a:endParaRPr lang="en-US" dirty="0"/>
           </a:p>
@@ -1371,8 +1311,6 @@
           <a:p>
             <a:fld id="{69E57DC2-970A-4B3E-BB1C-7A09969E49DF}" type="slidenum">
               <a:rPr lang="en-US" dirty="0"/>
-              <a:pPr/>
-              <a:t>‹#›</a:t>
             </a:fld>
             <a:endParaRPr lang="en-US" dirty="0"/>
           </a:p>
@@ -1429,8 +1367,6 @@
             <a:noFill/>
             <a:prstDash val="solid"/>
             <a:round/>
-            <a:headEnd/>
-            <a:tailEnd/>
           </a:ln>
         </p:spPr>
       </p:sp>
@@ -1551,6 +1487,7 @@
               <a:rPr lang="en-US"/>
               <a:t>Click to edit Master text styles</a:t>
             </a:r>
+            <a:endParaRPr lang="en-US"/>
           </a:p>
           <a:p>
             <a:pPr lvl="1"/>
@@ -1558,6 +1495,7 @@
               <a:rPr lang="en-US"/>
               <a:t>Second level</a:t>
             </a:r>
+            <a:endParaRPr lang="en-US"/>
           </a:p>
           <a:p>
             <a:pPr lvl="2"/>
@@ -1565,6 +1503,7 @@
               <a:rPr lang="en-US"/>
               <a:t>Third level</a:t>
             </a:r>
+            <a:endParaRPr lang="en-US"/>
           </a:p>
           <a:p>
             <a:pPr lvl="3"/>
@@ -1572,6 +1511,7 @@
               <a:rPr lang="en-US"/>
               <a:t>Fourth level</a:t>
             </a:r>
+            <a:endParaRPr lang="en-US"/>
           </a:p>
           <a:p>
             <a:pPr lvl="4"/>
@@ -1644,6 +1584,7 @@
               <a:rPr lang="en-US"/>
               <a:t>Click to edit Master text styles</a:t>
             </a:r>
+            <a:endParaRPr lang="en-US"/>
           </a:p>
           <a:p>
             <a:pPr lvl="1"/>
@@ -1651,6 +1592,7 @@
               <a:rPr lang="en-US"/>
               <a:t>Second level</a:t>
             </a:r>
+            <a:endParaRPr lang="en-US"/>
           </a:p>
           <a:p>
             <a:pPr lvl="2"/>
@@ -1658,6 +1600,7 @@
               <a:rPr lang="en-US"/>
               <a:t>Third level</a:t>
             </a:r>
+            <a:endParaRPr lang="en-US"/>
           </a:p>
           <a:p>
             <a:pPr lvl="3"/>
@@ -1665,6 +1608,7 @@
               <a:rPr lang="en-US"/>
               <a:t>Fourth level</a:t>
             </a:r>
+            <a:endParaRPr lang="en-US"/>
           </a:p>
           <a:p>
             <a:pPr lvl="4"/>
@@ -1693,7 +1637,6 @@
           <a:p>
             <a:fld id="{87DE6118-2437-4B30-8E3C-4D2BE6020583}" type="datetimeFigureOut">
               <a:rPr lang="en-US" dirty="0"/>
-              <a:t>4/5/2025</a:t>
             </a:fld>
             <a:endParaRPr lang="en-US" dirty="0"/>
           </a:p>
@@ -1735,7 +1678,6 @@
           <a:p>
             <a:fld id="{69E57DC2-970A-4B3E-BB1C-7A09969E49DF}" type="slidenum">
               <a:rPr lang="en-US" dirty="0"/>
-              <a:t>‹#›</a:t>
             </a:fld>
             <a:endParaRPr lang="en-US" dirty="0"/>
           </a:p>
@@ -1879,6 +1821,7 @@
               <a:rPr lang="en-US"/>
               <a:t>Click to edit Master text styles</a:t>
             </a:r>
+            <a:endParaRPr lang="en-US"/>
           </a:p>
         </p:txBody>
       </p:sp>
@@ -1943,6 +1886,7 @@
               <a:rPr lang="en-US"/>
               <a:t>Click to edit Master text styles</a:t>
             </a:r>
+            <a:endParaRPr lang="en-US"/>
           </a:p>
           <a:p>
             <a:pPr lvl="1"/>
@@ -1950,6 +1894,7 @@
               <a:rPr lang="en-US"/>
               <a:t>Second level</a:t>
             </a:r>
+            <a:endParaRPr lang="en-US"/>
           </a:p>
           <a:p>
             <a:pPr lvl="2"/>
@@ -1957,6 +1902,7 @@
               <a:rPr lang="en-US"/>
               <a:t>Third level</a:t>
             </a:r>
+            <a:endParaRPr lang="en-US"/>
           </a:p>
           <a:p>
             <a:pPr lvl="3"/>
@@ -1964,6 +1910,7 @@
               <a:rPr lang="en-US"/>
               <a:t>Fourth level</a:t>
             </a:r>
+            <a:endParaRPr lang="en-US"/>
           </a:p>
           <a:p>
             <a:pPr lvl="4"/>
@@ -2052,6 +1999,7 @@
               <a:rPr lang="en-US"/>
               <a:t>Click to edit Master text styles</a:t>
             </a:r>
+            <a:endParaRPr lang="en-US"/>
           </a:p>
         </p:txBody>
       </p:sp>
@@ -2116,6 +2064,7 @@
               <a:rPr lang="en-US"/>
               <a:t>Click to edit Master text styles</a:t>
             </a:r>
+            <a:endParaRPr lang="en-US"/>
           </a:p>
           <a:p>
             <a:pPr lvl="1"/>
@@ -2123,6 +2072,7 @@
               <a:rPr lang="en-US"/>
               <a:t>Second level</a:t>
             </a:r>
+            <a:endParaRPr lang="en-US"/>
           </a:p>
           <a:p>
             <a:pPr lvl="2"/>
@@ -2130,6 +2080,7 @@
               <a:rPr lang="en-US"/>
               <a:t>Third level</a:t>
             </a:r>
+            <a:endParaRPr lang="en-US"/>
           </a:p>
           <a:p>
             <a:pPr lvl="3"/>
@@ -2137,6 +2088,7 @@
               <a:rPr lang="en-US"/>
               <a:t>Fourth level</a:t>
             </a:r>
+            <a:endParaRPr lang="en-US"/>
           </a:p>
           <a:p>
             <a:pPr lvl="4"/>
@@ -2165,7 +2117,6 @@
           <a:p>
             <a:fld id="{87DE6118-2437-4B30-8E3C-4D2BE6020583}" type="datetimeFigureOut">
               <a:rPr lang="en-US" dirty="0"/>
-              <a:t>4/5/2025</a:t>
             </a:fld>
             <a:endParaRPr lang="en-US" dirty="0"/>
           </a:p>
@@ -2207,7 +2158,6 @@
           <a:p>
             <a:fld id="{69E57DC2-970A-4B3E-BB1C-7A09969E49DF}" type="slidenum">
               <a:rPr lang="en-US" dirty="0"/>
-              <a:t>‹#›</a:t>
             </a:fld>
             <a:endParaRPr lang="en-US" dirty="0"/>
           </a:p>
@@ -2278,7 +2228,6 @@
           <a:p>
             <a:fld id="{87DE6118-2437-4B30-8E3C-4D2BE6020583}" type="datetimeFigureOut">
               <a:rPr lang="en-US" dirty="0"/>
-              <a:t>4/5/2025</a:t>
             </a:fld>
             <a:endParaRPr lang="en-US" dirty="0"/>
           </a:p>
@@ -2320,7 +2269,6 @@
           <a:p>
             <a:fld id="{69E57DC2-970A-4B3E-BB1C-7A09969E49DF}" type="slidenum">
               <a:rPr lang="en-US" dirty="0"/>
-              <a:t>‹#›</a:t>
             </a:fld>
             <a:endParaRPr lang="en-US" dirty="0"/>
           </a:p>
@@ -2368,7 +2316,6 @@
           <a:p>
             <a:fld id="{87DE6118-2437-4B30-8E3C-4D2BE6020583}" type="datetimeFigureOut">
               <a:rPr lang="en-US" dirty="0"/>
-              <a:t>4/5/2025</a:t>
             </a:fld>
             <a:endParaRPr lang="en-US" dirty="0"/>
           </a:p>
@@ -2410,7 +2357,6 @@
           <a:p>
             <a:fld id="{69E57DC2-970A-4B3E-BB1C-7A09969E49DF}" type="slidenum">
               <a:rPr lang="en-US" dirty="0"/>
-              <a:t>‹#›</a:t>
             </a:fld>
             <a:endParaRPr lang="en-US" dirty="0"/>
           </a:p>
@@ -2425,7 +2371,7 @@
 </file>
 
 <file path=ppt/slideLayouts/slideLayout8.xml><?xml version="1.0" encoding="utf-8"?>
-<p:sldLayout xmlns:a="http://schemas.openxmlformats.org/drawingml/2006/main" xmlns:r="http://schemas.openxmlformats.org/officeDocument/2006/relationships" xmlns:p="http://schemas.openxmlformats.org/presentationml/2006/main" showMasterSp="0" type="objTx" preserve="1">
+<p:sldLayout xmlns:a="http://schemas.openxmlformats.org/drawingml/2006/main" xmlns:r="http://schemas.openxmlformats.org/officeDocument/2006/relationships" xmlns:p="http://schemas.openxmlformats.org/presentationml/2006/main" type="objTx" preserve="1" showMasterSp="0">
   <p:cSld name="Content with Caption">
     <p:spTree>
       <p:nvGrpSpPr>
@@ -2573,6 +2519,7 @@
               <a:rPr lang="en-US"/>
               <a:t>Click to edit Master text styles</a:t>
             </a:r>
+            <a:endParaRPr lang="en-US"/>
           </a:p>
           <a:p>
             <a:pPr lvl="1"/>
@@ -2580,6 +2527,7 @@
               <a:rPr lang="en-US"/>
               <a:t>Second level</a:t>
             </a:r>
+            <a:endParaRPr lang="en-US"/>
           </a:p>
           <a:p>
             <a:pPr lvl="2"/>
@@ -2587,6 +2535,7 @@
               <a:rPr lang="en-US"/>
               <a:t>Third level</a:t>
             </a:r>
+            <a:endParaRPr lang="en-US"/>
           </a:p>
           <a:p>
             <a:pPr lvl="3"/>
@@ -2594,6 +2543,7 @@
               <a:rPr lang="en-US"/>
               <a:t>Fourth level</a:t>
             </a:r>
+            <a:endParaRPr lang="en-US"/>
           </a:p>
           <a:p>
             <a:pPr lvl="4"/>
@@ -2676,6 +2626,7 @@
               <a:rPr lang="en-US"/>
               <a:t>Click to edit Master text styles</a:t>
             </a:r>
+            <a:endParaRPr lang="en-US"/>
           </a:p>
         </p:txBody>
       </p:sp>
@@ -2709,8 +2660,6 @@
           <a:p>
             <a:fld id="{87DE6118-2437-4B30-8E3C-4D2BE6020583}" type="datetimeFigureOut">
               <a:rPr lang="en-US" dirty="0"/>
-              <a:pPr/>
-              <a:t>4/5/2025</a:t>
             </a:fld>
             <a:endParaRPr lang="en-US" dirty="0"/>
           </a:p>
@@ -2778,8 +2727,6 @@
           <a:p>
             <a:fld id="{69E57DC2-970A-4B3E-BB1C-7A09969E49DF}" type="slidenum">
               <a:rPr lang="en-US" dirty="0"/>
-              <a:pPr/>
-              <a:t>‹#›</a:t>
             </a:fld>
             <a:endParaRPr lang="en-US" dirty="0"/>
           </a:p>
@@ -2832,7 +2779,7 @@
 </file>
 
 <file path=ppt/slideLayouts/slideLayout9.xml><?xml version="1.0" encoding="utf-8"?>
-<p:sldLayout xmlns:a="http://schemas.openxmlformats.org/drawingml/2006/main" xmlns:r="http://schemas.openxmlformats.org/officeDocument/2006/relationships" xmlns:p="http://schemas.openxmlformats.org/presentationml/2006/main" showMasterSp="0" type="picTx" preserve="1">
+<p:sldLayout xmlns:a="http://schemas.openxmlformats.org/drawingml/2006/main" xmlns:r="http://schemas.openxmlformats.org/officeDocument/2006/relationships" xmlns:p="http://schemas.openxmlformats.org/presentationml/2006/main" type="picTx" preserve="1" showMasterSp="0">
   <p:cSld name="Picture with Caption">
     <p:spTree>
       <p:nvGrpSpPr>
@@ -3061,6 +3008,7 @@
               <a:rPr lang="en-US"/>
               <a:t>Click to edit Master text styles</a:t>
             </a:r>
+            <a:endParaRPr lang="en-US"/>
           </a:p>
         </p:txBody>
       </p:sp>
@@ -3094,8 +3042,6 @@
           <a:p>
             <a:fld id="{87DE6118-2437-4B30-8E3C-4D2BE6020583}" type="datetimeFigureOut">
               <a:rPr lang="en-US" dirty="0"/>
-              <a:pPr/>
-              <a:t>4/5/2025</a:t>
             </a:fld>
             <a:endParaRPr lang="en-US" dirty="0"/>
           </a:p>
@@ -3163,8 +3109,6 @@
           <a:p>
             <a:fld id="{69E57DC2-970A-4B3E-BB1C-7A09969E49DF}" type="slidenum">
               <a:rPr lang="en-US" dirty="0"/>
-              <a:pPr/>
-              <a:t>‹#›</a:t>
             </a:fld>
             <a:endParaRPr lang="en-US" dirty="0"/>
           </a:p>
@@ -3304,6 +3248,7 @@
               <a:rPr lang="en-US"/>
               <a:t>Click to edit Master text styles</a:t>
             </a:r>
+            <a:endParaRPr lang="en-US"/>
           </a:p>
           <a:p>
             <a:pPr lvl="1"/>
@@ -3311,6 +3256,7 @@
               <a:rPr lang="en-US"/>
               <a:t>Second level</a:t>
             </a:r>
+            <a:endParaRPr lang="en-US"/>
           </a:p>
           <a:p>
             <a:pPr lvl="2"/>
@@ -3318,6 +3264,7 @@
               <a:rPr lang="en-US"/>
               <a:t>Third level</a:t>
             </a:r>
+            <a:endParaRPr lang="en-US"/>
           </a:p>
           <a:p>
             <a:pPr lvl="3"/>
@@ -3325,6 +3272,7 @@
               <a:rPr lang="en-US"/>
               <a:t>Fourth level</a:t>
             </a:r>
+            <a:endParaRPr lang="en-US"/>
           </a:p>
           <a:p>
             <a:pPr lvl="4"/>
@@ -3369,8 +3317,6 @@
           <a:p>
             <a:fld id="{87DE6118-2437-4B30-8E3C-4D2BE6020583}" type="datetimeFigureOut">
               <a:rPr lang="en-US" dirty="0"/>
-              <a:pPr/>
-              <a:t>4/5/2025</a:t>
             </a:fld>
             <a:endParaRPr lang="en-US" dirty="0"/>
           </a:p>
@@ -3444,8 +3390,6 @@
           <a:p>
             <a:fld id="{69E57DC2-970A-4B3E-BB1C-7A09969E49DF}" type="slidenum">
               <a:rPr lang="en-US" dirty="0"/>
-              <a:pPr/>
-              <a:t>‹#›</a:t>
             </a:fld>
             <a:endParaRPr lang="en-US" dirty="0"/>
           </a:p>
@@ -3526,7 +3470,7 @@
       </a:lvl1pPr>
     </p:titleStyle>
     <p:bodyStyle>
-      <a:lvl1pPr marL="384048" indent="-384048" algn="l" defTabSz="914400" rtl="0" eaLnBrk="1" latinLnBrk="0" hangingPunct="1">
+      <a:lvl1pPr marL="384175" indent="-384175" algn="l" defTabSz="914400" rtl="0" eaLnBrk="1" latinLnBrk="0" hangingPunct="1">
         <a:lnSpc>
           <a:spcPct val="94000"/>
         </a:lnSpc>
@@ -3547,7 +3491,7 @@
           <a:cs typeface="+mn-cs"/>
         </a:defRPr>
       </a:lvl1pPr>
-      <a:lvl2pPr marL="914400" indent="-384048" algn="l" defTabSz="914400" rtl="0" eaLnBrk="1" latinLnBrk="0" hangingPunct="1">
+      <a:lvl2pPr marL="914400" indent="-384175" algn="l" defTabSz="914400" rtl="0" eaLnBrk="1" latinLnBrk="0" hangingPunct="1">
         <a:lnSpc>
           <a:spcPct val="94000"/>
         </a:lnSpc>
@@ -3568,7 +3512,7 @@
           <a:cs typeface="+mn-cs"/>
         </a:defRPr>
       </a:lvl2pPr>
-      <a:lvl3pPr marL="1371600" indent="-384048" algn="l" defTabSz="914400" rtl="0" eaLnBrk="1" latinLnBrk="0" hangingPunct="1">
+      <a:lvl3pPr marL="1371600" indent="-384175" algn="l" defTabSz="914400" rtl="0" eaLnBrk="1" latinLnBrk="0" hangingPunct="1">
         <a:lnSpc>
           <a:spcPct val="94000"/>
         </a:lnSpc>
@@ -3589,7 +3533,7 @@
           <a:cs typeface="+mn-cs"/>
         </a:defRPr>
       </a:lvl3pPr>
-      <a:lvl4pPr marL="1828800" indent="-384048" algn="l" defTabSz="914400" rtl="0" eaLnBrk="1" latinLnBrk="0" hangingPunct="1">
+      <a:lvl4pPr marL="1828800" indent="-384175" algn="l" defTabSz="914400" rtl="0" eaLnBrk="1" latinLnBrk="0" hangingPunct="1">
         <a:lnSpc>
           <a:spcPct val="94000"/>
         </a:lnSpc>
@@ -3610,7 +3554,7 @@
           <a:cs typeface="+mn-cs"/>
         </a:defRPr>
       </a:lvl4pPr>
-      <a:lvl5pPr marL="2286000" indent="-384048" algn="l" defTabSz="914400" rtl="0" eaLnBrk="1" latinLnBrk="0" hangingPunct="1">
+      <a:lvl5pPr marL="2286000" indent="-384175" algn="l" defTabSz="914400" rtl="0" eaLnBrk="1" latinLnBrk="0" hangingPunct="1">
         <a:lnSpc>
           <a:spcPct val="94000"/>
         </a:lnSpc>
@@ -3631,7 +3575,7 @@
           <a:cs typeface="+mn-cs"/>
         </a:defRPr>
       </a:lvl5pPr>
-      <a:lvl6pPr marL="2743200" indent="-384048" algn="l" defTabSz="914400" rtl="0" eaLnBrk="1" latinLnBrk="0" hangingPunct="1">
+      <a:lvl6pPr marL="2743200" indent="-384175" algn="l" defTabSz="914400" rtl="0" eaLnBrk="1" latinLnBrk="0" hangingPunct="1">
         <a:lnSpc>
           <a:spcPct val="94000"/>
         </a:lnSpc>
@@ -3652,7 +3596,7 @@
           <a:cs typeface="+mn-cs"/>
         </a:defRPr>
       </a:lvl6pPr>
-      <a:lvl7pPr marL="3200400" indent="-384048" algn="l" defTabSz="914400" rtl="0" eaLnBrk="1" latinLnBrk="0" hangingPunct="1">
+      <a:lvl7pPr marL="3200400" indent="-384175" algn="l" defTabSz="914400" rtl="0" eaLnBrk="1" latinLnBrk="0" hangingPunct="1">
         <a:lnSpc>
           <a:spcPct val="94000"/>
         </a:lnSpc>
@@ -3673,7 +3617,7 @@
           <a:cs typeface="+mn-cs"/>
         </a:defRPr>
       </a:lvl7pPr>
-      <a:lvl8pPr marL="3657600" indent="-384048" algn="l" defTabSz="914400" rtl="0" eaLnBrk="1" latinLnBrk="0" hangingPunct="1">
+      <a:lvl8pPr marL="3657600" indent="-384175" algn="l" defTabSz="914400" rtl="0" eaLnBrk="1" latinLnBrk="0" hangingPunct="1">
         <a:lnSpc>
           <a:spcPct val="94000"/>
         </a:lnSpc>
@@ -3694,7 +3638,7 @@
           <a:cs typeface="+mn-cs"/>
         </a:defRPr>
       </a:lvl8pPr>
-      <a:lvl9pPr marL="4114800" indent="-384048" algn="l" defTabSz="914400" rtl="0" eaLnBrk="1" latinLnBrk="0" hangingPunct="1">
+      <a:lvl9pPr marL="4114800" indent="-384175" algn="l" defTabSz="914400" rtl="0" eaLnBrk="1" latinLnBrk="0" hangingPunct="1">
         <a:lnSpc>
           <a:spcPct val="94000"/>
         </a:lnSpc>
@@ -3812,52 +3756,6 @@
       </a:lvl9pPr>
     </p:otherStyle>
   </p:txStyles>
-  <p:extLst>
-    <p:ext uri="{27BBF7A9-308A-43DC-89C8-2F10F3537804}">
-      <p15:sldGuideLst xmlns:p15="http://schemas.microsoft.com/office/powerpoint/2012/main">
-        <p15:guide id="3" orient="horz" pos="1368">
-          <p15:clr>
-            <a:srgbClr val="F26B43"/>
-          </p15:clr>
-        </p15:guide>
-        <p15:guide id="4" orient="horz" pos="1440">
-          <p15:clr>
-            <a:srgbClr val="F26B43"/>
-          </p15:clr>
-        </p15:guide>
-        <p15:guide id="6" orient="horz" pos="3696">
-          <p15:clr>
-            <a:srgbClr val="F26B43"/>
-          </p15:clr>
-        </p15:guide>
-        <p15:guide id="7" orient="horz" pos="432">
-          <p15:clr>
-            <a:srgbClr val="F26B43"/>
-          </p15:clr>
-        </p15:guide>
-        <p15:guide id="8" orient="horz" pos="1512">
-          <p15:clr>
-            <a:srgbClr val="F26B43"/>
-          </p15:clr>
-        </p15:guide>
-        <p15:guide id="9" pos="6912">
-          <p15:clr>
-            <a:srgbClr val="F26B43"/>
-          </p15:clr>
-        </p15:guide>
-        <p15:guide id="10" pos="936">
-          <p15:clr>
-            <a:srgbClr val="F26B43"/>
-          </p15:clr>
-        </p15:guide>
-        <p15:guide id="11" pos="864">
-          <p15:clr>
-            <a:srgbClr val="F26B43"/>
-          </p15:clr>
-        </p15:guide>
-      </p15:sldGuideLst>
-    </p:ext>
-  </p:extLst>
 </p:sldMaster>
 </file>
 
@@ -3880,13 +3778,7 @@
       </p:grpSpPr>
       <p:sp>
         <p:nvSpPr>
-          <p:cNvPr id="9" name="TextBox 8">
-            <a:extLst>
-              <a:ext uri="{FF2B5EF4-FFF2-40B4-BE49-F238E27FC236}">
-                <a16:creationId xmlns:a16="http://schemas.microsoft.com/office/drawing/2014/main" id="{58D2D118-E659-BC23-656B-DC95A31D1A67}"/>
-              </a:ext>
-            </a:extLst>
-          </p:cNvPr>
+          <p:cNvPr id="9" name="TextBox 8"/>
           <p:cNvSpPr txBox="1"/>
           <p:nvPr/>
         </p:nvSpPr>
@@ -3918,6 +3810,10 @@
               </a:rPr>
               <a:t>CHAITANYA </a:t>
             </a:r>
+            <a:endParaRPr lang="en-IN" sz="2400" b="1" dirty="0">
+              <a:latin typeface="Arial" panose="020B0604020202020204" pitchFamily="34" charset="0"/>
+              <a:cs typeface="Arial" panose="020B0604020202020204" pitchFamily="34" charset="0"/>
+            </a:endParaRPr>
           </a:p>
           <a:p>
             <a:pPr lvl="1"/>
@@ -3928,6 +3824,10 @@
               </a:rPr>
               <a:t>     (DEEMED TO BE UNIVERSITY)</a:t>
             </a:r>
+            <a:endParaRPr lang="en-IN" sz="2400" b="1" dirty="0">
+              <a:latin typeface="Arial" panose="020B0604020202020204" pitchFamily="34" charset="0"/>
+              <a:cs typeface="Arial" panose="020B0604020202020204" pitchFamily="34" charset="0"/>
+            </a:endParaRPr>
           </a:p>
           <a:p>
             <a:endParaRPr lang="en-IN" sz="2000" dirty="0">
@@ -3939,20 +3839,14 @@
       </p:sp>
       <p:pic>
         <p:nvPicPr>
-          <p:cNvPr id="11" name="Picture 10">
-            <a:extLst>
-              <a:ext uri="{FF2B5EF4-FFF2-40B4-BE49-F238E27FC236}">
-                <a16:creationId xmlns:a16="http://schemas.microsoft.com/office/drawing/2014/main" id="{EA3A5324-6FC9-162C-7C40-77C0826C4FD1}"/>
-              </a:ext>
-            </a:extLst>
-          </p:cNvPr>
+          <p:cNvPr id="11" name="Picture 10"/>
           <p:cNvPicPr>
             <a:picLocks noChangeAspect="1"/>
           </p:cNvPicPr>
           <p:nvPr/>
         </p:nvPicPr>
         <p:blipFill>
-          <a:blip r:embed="rId2"/>
+          <a:blip r:embed="rId1"/>
           <a:stretch>
             <a:fillRect/>
           </a:stretch>
@@ -3969,13 +3863,7 @@
       </p:pic>
       <p:sp>
         <p:nvSpPr>
-          <p:cNvPr id="12" name="TextBox 11">
-            <a:extLst>
-              <a:ext uri="{FF2B5EF4-FFF2-40B4-BE49-F238E27FC236}">
-                <a16:creationId xmlns:a16="http://schemas.microsoft.com/office/drawing/2014/main" id="{D22D27E2-DD4C-2C79-2184-B63D748987A0}"/>
-              </a:ext>
-            </a:extLst>
-          </p:cNvPr>
+          <p:cNvPr id="12" name="TextBox 11"/>
           <p:cNvSpPr txBox="1"/>
           <p:nvPr/>
         </p:nvSpPr>
@@ -4003,18 +3891,17 @@
               </a:rPr>
               <a:t>Department of  computer Science</a:t>
             </a:r>
-          </a:p>
-        </p:txBody>
-      </p:sp>
-      <p:sp>
-        <p:nvSpPr>
-          <p:cNvPr id="13" name="TextBox 12">
-            <a:extLst>
-              <a:ext uri="{FF2B5EF4-FFF2-40B4-BE49-F238E27FC236}">
-                <a16:creationId xmlns:a16="http://schemas.microsoft.com/office/drawing/2014/main" id="{C37B0F5A-E1E3-64AC-9B36-5D47AB694B33}"/>
-              </a:ext>
-            </a:extLst>
-          </p:cNvPr>
+            <a:endParaRPr lang="en-IN" sz="2000" b="1" dirty="0">
+              <a:solidFill>
+                <a:srgbClr val="002060"/>
+              </a:solidFill>
+            </a:endParaRPr>
+          </a:p>
+        </p:txBody>
+      </p:sp>
+      <p:sp>
+        <p:nvSpPr>
+          <p:cNvPr id="13" name="TextBox 12"/>
           <p:cNvSpPr txBox="1"/>
           <p:nvPr/>
         </p:nvSpPr>
@@ -4042,18 +3929,17 @@
               </a:rPr>
               <a:t>AI POWERED RESUME BUILDER AND ANALYZER</a:t>
             </a:r>
-          </a:p>
-        </p:txBody>
-      </p:sp>
-      <p:sp>
-        <p:nvSpPr>
-          <p:cNvPr id="15" name="TextBox 14">
-            <a:extLst>
-              <a:ext uri="{FF2B5EF4-FFF2-40B4-BE49-F238E27FC236}">
-                <a16:creationId xmlns:a16="http://schemas.microsoft.com/office/drawing/2014/main" id="{03F3B564-183B-AB12-4DC2-B415141BC801}"/>
-              </a:ext>
-            </a:extLst>
-          </p:cNvPr>
+            <a:endParaRPr lang="en-IN" b="1" dirty="0">
+              <a:solidFill>
+                <a:srgbClr val="C00000"/>
+              </a:solidFill>
+            </a:endParaRPr>
+          </a:p>
+        </p:txBody>
+      </p:sp>
+      <p:sp>
+        <p:nvSpPr>
+          <p:cNvPr id="15" name="TextBox 14"/>
           <p:cNvSpPr txBox="1"/>
           <p:nvPr/>
         </p:nvSpPr>
@@ -4077,30 +3963,35 @@
               <a:rPr lang="en-IN" b="1" dirty="0"/>
               <a:t>UNDER THE GUIDANCE OF</a:t>
             </a:r>
+            <a:endParaRPr lang="en-IN" b="1" dirty="0"/>
           </a:p>
           <a:p>
             <a:r>
               <a:rPr lang="en-IN" b="1" dirty="0"/>
               <a:t> </a:t>
             </a:r>
+            <a:endParaRPr lang="en-IN" b="1" dirty="0"/>
           </a:p>
           <a:p>
             <a:r>
               <a:rPr lang="en-IN" b="1" dirty="0"/>
               <a:t>                 </a:t>
             </a:r>
+            <a:endParaRPr lang="en-IN" b="1" dirty="0"/>
           </a:p>
           <a:p>
             <a:r>
               <a:rPr lang="en-IN" b="1" dirty="0"/>
               <a:t>                 E. VARNIKA</a:t>
             </a:r>
+            <a:endParaRPr lang="en-IN" b="1" dirty="0"/>
           </a:p>
           <a:p>
             <a:r>
               <a:rPr lang="en-IN" sz="1400" dirty="0"/>
               <a:t>                  Assistant professor</a:t>
             </a:r>
+            <a:endParaRPr lang="en-IN" sz="1400" dirty="0"/>
           </a:p>
           <a:p>
             <a:endParaRPr lang="en-IN" b="1" dirty="0"/>
@@ -4115,13 +4006,7 @@
       </p:sp>
       <p:sp>
         <p:nvSpPr>
-          <p:cNvPr id="16" name="TextBox 15">
-            <a:extLst>
-              <a:ext uri="{FF2B5EF4-FFF2-40B4-BE49-F238E27FC236}">
-                <a16:creationId xmlns:a16="http://schemas.microsoft.com/office/drawing/2014/main" id="{600D82C8-2B27-8ACD-E0BF-402E06D457C6}"/>
-              </a:ext>
-            </a:extLst>
-          </p:cNvPr>
+          <p:cNvPr id="16" name="TextBox 15"/>
           <p:cNvSpPr txBox="1"/>
           <p:nvPr/>
         </p:nvSpPr>
@@ -4145,6 +4030,7 @@
               <a:rPr lang="en-IN" dirty="0"/>
               <a:t>TEAM MEMBERS</a:t>
             </a:r>
+            <a:endParaRPr lang="en-IN" dirty="0"/>
           </a:p>
           <a:p>
             <a:endParaRPr lang="en-IN" dirty="0"/>
@@ -4154,33 +4040,32 @@
               <a:rPr lang="en-IN" dirty="0"/>
               <a:t>T. ABHINAYA             (122107103)</a:t>
             </a:r>
+            <a:endParaRPr lang="en-IN" dirty="0"/>
           </a:p>
           <a:p>
             <a:r>
               <a:rPr lang="en-IN" dirty="0"/>
               <a:t>N. SUMANTH           (122107104)</a:t>
             </a:r>
+            <a:endParaRPr lang="en-IN" dirty="0"/>
           </a:p>
           <a:p>
             <a:r>
               <a:rPr lang="en-IN" dirty="0"/>
               <a:t>B. PRUTVIRAJ          (122107111)</a:t>
             </a:r>
+            <a:endParaRPr lang="en-IN" dirty="0"/>
           </a:p>
           <a:p>
             <a:r>
               <a:rPr lang="en-IN" dirty="0"/>
               <a:t>V. SHIVANI               (122107151)</a:t>
             </a:r>
+            <a:endParaRPr lang="en-IN" dirty="0"/>
           </a:p>
         </p:txBody>
       </p:sp>
     </p:spTree>
-    <p:extLst>
-      <p:ext uri="{BB962C8B-B14F-4D97-AF65-F5344CB8AC3E}">
-        <p14:creationId xmlns:p14="http://schemas.microsoft.com/office/powerpoint/2010/main" val="712769185"/>
-      </p:ext>
-    </p:extLst>
   </p:cSld>
   <p:clrMapOvr>
     <a:masterClrMapping/>
@@ -4207,13 +4092,7 @@
       </p:grpSpPr>
       <p:sp>
         <p:nvSpPr>
-          <p:cNvPr id="2" name="Title 1">
-            <a:extLst>
-              <a:ext uri="{FF2B5EF4-FFF2-40B4-BE49-F238E27FC236}">
-                <a16:creationId xmlns:a16="http://schemas.microsoft.com/office/drawing/2014/main" id="{28B97537-E4C4-FED6-F05B-20ADBFE642C7}"/>
-              </a:ext>
-            </a:extLst>
-          </p:cNvPr>
+          <p:cNvPr id="2" name="Title 1"/>
           <p:cNvSpPr>
             <a:spLocks noGrp="1"/>
           </p:cNvSpPr>
@@ -4237,18 +4116,13 @@
               <a:rPr lang="en-IN" sz="1600" b="1" dirty="0"/>
               <a:t>Activity diagram :</a:t>
             </a:r>
+            <a:endParaRPr lang="en-IN" sz="1600" b="1" dirty="0"/>
           </a:p>
         </p:txBody>
       </p:sp>
       <p:pic>
         <p:nvPicPr>
-          <p:cNvPr id="9" name="Content Placeholder 8">
-            <a:extLst>
-              <a:ext uri="{FF2B5EF4-FFF2-40B4-BE49-F238E27FC236}">
-                <a16:creationId xmlns:a16="http://schemas.microsoft.com/office/drawing/2014/main" id="{A5D8FC4F-0FDA-56CB-0F29-32E3F2434C91}"/>
-              </a:ext>
-            </a:extLst>
-          </p:cNvPr>
+          <p:cNvPr id="9" name="Content Placeholder 8"/>
           <p:cNvPicPr>
             <a:picLocks noGrp="1" noChangeAspect="1"/>
           </p:cNvPicPr>
@@ -4257,24 +4131,19 @@
           </p:nvPr>
         </p:nvPicPr>
         <p:blipFill>
-          <a:blip r:embed="rId2"/>
+          <a:blip r:embed="rId1"/>
           <a:stretch>
             <a:fillRect/>
           </a:stretch>
         </p:blipFill>
         <p:spPr>
           <a:xfrm>
-            <a:off x="3815080" y="934720"/>
-            <a:ext cx="4714240" cy="4876800"/>
+            <a:off x="3756025" y="934720"/>
+            <a:ext cx="5299075" cy="5776595"/>
           </a:xfrm>
         </p:spPr>
       </p:pic>
     </p:spTree>
-    <p:extLst>
-      <p:ext uri="{BB962C8B-B14F-4D97-AF65-F5344CB8AC3E}">
-        <p14:creationId xmlns:p14="http://schemas.microsoft.com/office/powerpoint/2010/main" val="3525970608"/>
-      </p:ext>
-    </p:extLst>
   </p:cSld>
   <p:clrMapOvr>
     <a:masterClrMapping/>
@@ -4301,13 +4170,7 @@
       </p:grpSpPr>
       <p:sp>
         <p:nvSpPr>
-          <p:cNvPr id="2" name="Title 1">
-            <a:extLst>
-              <a:ext uri="{FF2B5EF4-FFF2-40B4-BE49-F238E27FC236}">
-                <a16:creationId xmlns:a16="http://schemas.microsoft.com/office/drawing/2014/main" id="{95FFA04D-CC0D-0D45-C273-300A6B0ACFE9}"/>
-              </a:ext>
-            </a:extLst>
-          </p:cNvPr>
+          <p:cNvPr id="2" name="Title 1"/>
           <p:cNvSpPr>
             <a:spLocks noGrp="1"/>
           </p:cNvSpPr>
@@ -4331,18 +4194,13 @@
               <a:rPr lang="en-IN" sz="2400" b="1" u="sng" dirty="0"/>
               <a:t>TECHNOLOGIES USED IN FRONTEND </a:t>
             </a:r>
-          </a:p>
-        </p:txBody>
-      </p:sp>
-      <p:sp>
-        <p:nvSpPr>
-          <p:cNvPr id="3" name="Content Placeholder 2">
-            <a:extLst>
-              <a:ext uri="{FF2B5EF4-FFF2-40B4-BE49-F238E27FC236}">
-                <a16:creationId xmlns:a16="http://schemas.microsoft.com/office/drawing/2014/main" id="{7CB1D59A-DAC5-CD45-1908-CE5D1366DCB4}"/>
-              </a:ext>
-            </a:extLst>
-          </p:cNvPr>
+            <a:endParaRPr lang="en-IN" sz="2400" b="1" u="sng" dirty="0"/>
+          </a:p>
+        </p:txBody>
+      </p:sp>
+      <p:sp>
+        <p:nvSpPr>
+          <p:cNvPr id="3" name="Content Placeholder 2"/>
           <p:cNvSpPr>
             <a:spLocks noGrp="1"/>
           </p:cNvSpPr>
@@ -4367,6 +4225,7 @@
               <a:rPr lang="en-US" sz="1600" b="1" dirty="0"/>
               <a:t>HTML: </a:t>
             </a:r>
+            <a:endParaRPr lang="en-US" sz="1600" b="1" dirty="0"/>
           </a:p>
           <a:p>
             <a:pPr marL="0" indent="0">
@@ -4384,6 +4243,7 @@
               <a:rPr lang="en-US" sz="1400" dirty="0"/>
               <a:t> Markup Language) is the standard language used to create and structure content on the web.</a:t>
             </a:r>
+            <a:endParaRPr lang="en-US" sz="1400" dirty="0"/>
           </a:p>
           <a:p>
             <a:pPr marL="0" indent="0">
@@ -4393,6 +4253,7 @@
               <a:rPr lang="en-US" sz="1400" dirty="0"/>
               <a:t> • It consists of a series of elements (tags) that define the structure and layout of web pages, such as headings, paragraphs, images, links, and forms. </a:t>
             </a:r>
+            <a:endParaRPr lang="en-US" sz="1400" dirty="0"/>
           </a:p>
           <a:p>
             <a:pPr marL="0" indent="0">
@@ -4402,15 +4263,11 @@
               <a:rPr lang="en-US" sz="1400" dirty="0"/>
               <a:t>• HTML provides the basic building blocks for web content, while CSS is used to style the content and JavaScript adds interactivity.</a:t>
             </a:r>
+            <a:endParaRPr lang="en-US" sz="1400" dirty="0"/>
           </a:p>
         </p:txBody>
       </p:sp>
     </p:spTree>
-    <p:extLst>
-      <p:ext uri="{BB962C8B-B14F-4D97-AF65-F5344CB8AC3E}">
-        <p14:creationId xmlns:p14="http://schemas.microsoft.com/office/powerpoint/2010/main" val="3930483831"/>
-      </p:ext>
-    </p:extLst>
   </p:cSld>
   <p:clrMapOvr>
     <a:masterClrMapping/>
@@ -4437,13 +4294,7 @@
       </p:grpSpPr>
       <p:sp>
         <p:nvSpPr>
-          <p:cNvPr id="2" name="Title 1">
-            <a:extLst>
-              <a:ext uri="{FF2B5EF4-FFF2-40B4-BE49-F238E27FC236}">
-                <a16:creationId xmlns:a16="http://schemas.microsoft.com/office/drawing/2014/main" id="{4BBFE00E-D138-BC37-3627-EEB325952BB0}"/>
-              </a:ext>
-            </a:extLst>
-          </p:cNvPr>
+          <p:cNvPr id="2" name="Title 1"/>
           <p:cNvSpPr>
             <a:spLocks noGrp="1"/>
           </p:cNvSpPr>
@@ -4467,18 +4318,13 @@
               <a:rPr lang="en-IN" sz="1600" b="1" dirty="0"/>
               <a:t>CSS:</a:t>
             </a:r>
-          </a:p>
-        </p:txBody>
-      </p:sp>
-      <p:sp>
-        <p:nvSpPr>
-          <p:cNvPr id="3" name="Content Placeholder 2">
-            <a:extLst>
-              <a:ext uri="{FF2B5EF4-FFF2-40B4-BE49-F238E27FC236}">
-                <a16:creationId xmlns:a16="http://schemas.microsoft.com/office/drawing/2014/main" id="{05A874B3-E1AD-7F8A-A314-D0E2DB43DD95}"/>
-              </a:ext>
-            </a:extLst>
-          </p:cNvPr>
+            <a:endParaRPr lang="en-IN" sz="1600" b="1" dirty="0"/>
+          </a:p>
+        </p:txBody>
+      </p:sp>
+      <p:sp>
+        <p:nvSpPr>
+          <p:cNvPr id="3" name="Content Placeholder 2"/>
           <p:cNvSpPr>
             <a:spLocks noGrp="1"/>
           </p:cNvSpPr>
@@ -4505,6 +4351,7 @@
               <a:rPr lang="en-US" sz="1400" dirty="0"/>
               <a:t>• CSS (Cascading Style Sheets) is a stylesheet language used to control the look and feel of a web page.</a:t>
             </a:r>
+            <a:endParaRPr lang="en-US" sz="1400" dirty="0"/>
           </a:p>
           <a:p>
             <a:pPr marL="0" indent="0">
@@ -4514,6 +4361,7 @@
               <a:rPr lang="en-US" sz="1400" dirty="0"/>
               <a:t>• It allows you to style HTML elements by defining properties such as colors, fonts, spacing, and layout. CSS helps separate the structure (HTML) from the design, making web development more efficient. </a:t>
             </a:r>
+            <a:endParaRPr lang="en-US" sz="1400" dirty="0"/>
           </a:p>
           <a:p>
             <a:pPr marL="0" indent="0">
@@ -4523,6 +4371,7 @@
               <a:rPr lang="en-US" sz="1400" dirty="0"/>
               <a:t>• CSS is used to style the structure of web pages defined by HTML. It controls the presentation of elements on a page, such as layout, colors, fonts, spacing, and positioning.</a:t>
             </a:r>
+            <a:endParaRPr lang="en-US" sz="1400" dirty="0"/>
           </a:p>
           <a:p>
             <a:pPr marL="0" indent="0">
@@ -4532,6 +4381,7 @@
               <a:rPr lang="en-US" sz="1400" b="1" dirty="0"/>
               <a:t>Advantages of CSS: </a:t>
             </a:r>
+            <a:endParaRPr lang="en-US" sz="1400" b="1" dirty="0"/>
           </a:p>
           <a:p>
             <a:pPr marL="0" indent="0">
@@ -4545,6 +4395,7 @@
               <a:rPr lang="en-US" sz="1400" dirty="0"/>
               <a:t>: CSS separates the content (HTML) from the presentation (style), making it easier to maintain and update the design without changing the HTML structure. </a:t>
             </a:r>
+            <a:endParaRPr lang="en-US" sz="1400" dirty="0"/>
           </a:p>
           <a:p>
             <a:pPr marL="0" indent="0">
@@ -4558,6 +4409,7 @@
               <a:rPr lang="en-US" sz="1400" dirty="0"/>
               <a:t>: Since the style is stored in separate CSS files, browsers can cache these files, reducing the amount of data that needs to be downloaded on subsequent page visits, speeding up page loading. </a:t>
             </a:r>
+            <a:endParaRPr lang="en-US" sz="1400" dirty="0"/>
           </a:p>
           <a:p>
             <a:pPr marL="0" indent="0">
@@ -4576,11 +4428,6 @@
         </p:txBody>
       </p:sp>
     </p:spTree>
-    <p:extLst>
-      <p:ext uri="{BB962C8B-B14F-4D97-AF65-F5344CB8AC3E}">
-        <p14:creationId xmlns:p14="http://schemas.microsoft.com/office/powerpoint/2010/main" val="3293067802"/>
-      </p:ext>
-    </p:extLst>
   </p:cSld>
   <p:clrMapOvr>
     <a:masterClrMapping/>
@@ -4607,13 +4454,7 @@
       </p:grpSpPr>
       <p:sp>
         <p:nvSpPr>
-          <p:cNvPr id="2" name="Title 1">
-            <a:extLst>
-              <a:ext uri="{FF2B5EF4-FFF2-40B4-BE49-F238E27FC236}">
-                <a16:creationId xmlns:a16="http://schemas.microsoft.com/office/drawing/2014/main" id="{798ACB2B-8697-5EAF-1ED5-5BC60E656323}"/>
-              </a:ext>
-            </a:extLst>
-          </p:cNvPr>
+          <p:cNvPr id="2" name="Title 1"/>
           <p:cNvSpPr>
             <a:spLocks noGrp="1"/>
           </p:cNvSpPr>
@@ -4637,18 +4478,13 @@
               <a:rPr lang="en-IN" sz="1600" b="1" dirty="0"/>
               <a:t>JAVASCRIPT:</a:t>
             </a:r>
-          </a:p>
-        </p:txBody>
-      </p:sp>
-      <p:sp>
-        <p:nvSpPr>
-          <p:cNvPr id="3" name="Content Placeholder 2">
-            <a:extLst>
-              <a:ext uri="{FF2B5EF4-FFF2-40B4-BE49-F238E27FC236}">
-                <a16:creationId xmlns:a16="http://schemas.microsoft.com/office/drawing/2014/main" id="{D916E8A3-63B7-9B32-1DB2-E8518F802AA9}"/>
-              </a:ext>
-            </a:extLst>
-          </p:cNvPr>
+            <a:endParaRPr lang="en-IN" sz="1600" b="1" dirty="0"/>
+          </a:p>
+        </p:txBody>
+      </p:sp>
+      <p:sp>
+        <p:nvSpPr>
+          <p:cNvPr id="3" name="Content Placeholder 2"/>
           <p:cNvSpPr>
             <a:spLocks noGrp="1"/>
           </p:cNvSpPr>
@@ -4672,18 +4508,21 @@
               <a:rPr lang="en-US" sz="1400" dirty="0"/>
               <a:t>JavaScript is a high-level, dynamic programming language primarily used to add interactivity and functionality to websites. </a:t>
             </a:r>
+            <a:endParaRPr lang="en-US" sz="1400" dirty="0"/>
           </a:p>
           <a:p>
             <a:r>
               <a:rPr lang="en-US" sz="1400" dirty="0"/>
               <a:t>It runs in the browser, enabling web pages to respond to user actions, manipulate content, and interact with external data without reloading the entire page.</a:t>
             </a:r>
+            <a:endParaRPr lang="en-US" sz="1400" dirty="0"/>
           </a:p>
           <a:p>
             <a:r>
               <a:rPr lang="en-US" sz="1400" dirty="0"/>
               <a:t>JavaScript is mainly used for client-side scripting, meaning it runs in the user's browser. </a:t>
             </a:r>
+            <a:endParaRPr lang="en-US" sz="1400" dirty="0"/>
           </a:p>
           <a:p>
             <a:r>
@@ -4695,11 +4534,6 @@
         </p:txBody>
       </p:sp>
     </p:spTree>
-    <p:extLst>
-      <p:ext uri="{BB962C8B-B14F-4D97-AF65-F5344CB8AC3E}">
-        <p14:creationId xmlns:p14="http://schemas.microsoft.com/office/powerpoint/2010/main" val="856388373"/>
-      </p:ext>
-    </p:extLst>
   </p:cSld>
   <p:clrMapOvr>
     <a:masterClrMapping/>
@@ -4726,13 +4560,7 @@
       </p:grpSpPr>
       <p:sp>
         <p:nvSpPr>
-          <p:cNvPr id="2" name="Title 1">
-            <a:extLst>
-              <a:ext uri="{FF2B5EF4-FFF2-40B4-BE49-F238E27FC236}">
-                <a16:creationId xmlns:a16="http://schemas.microsoft.com/office/drawing/2014/main" id="{504CC9D6-40F3-BC8E-4F58-26B35851FFFB}"/>
-              </a:ext>
-            </a:extLst>
-          </p:cNvPr>
+          <p:cNvPr id="2" name="Title 1"/>
           <p:cNvSpPr>
             <a:spLocks noGrp="1"/>
           </p:cNvSpPr>
@@ -4756,18 +4584,13 @@
               <a:rPr lang="en-IN" sz="2400" b="1" u="sng" dirty="0"/>
               <a:t>TECHNOLOGIES USED IN BACKEND</a:t>
             </a:r>
-          </a:p>
-        </p:txBody>
-      </p:sp>
-      <p:sp>
-        <p:nvSpPr>
-          <p:cNvPr id="3" name="Content Placeholder 2">
-            <a:extLst>
-              <a:ext uri="{FF2B5EF4-FFF2-40B4-BE49-F238E27FC236}">
-                <a16:creationId xmlns:a16="http://schemas.microsoft.com/office/drawing/2014/main" id="{4E880524-E4EC-5A5E-87EA-EC6AF3339B8D}"/>
-              </a:ext>
-            </a:extLst>
-          </p:cNvPr>
+            <a:endParaRPr lang="en-IN" sz="2400" b="1" u="sng" dirty="0"/>
+          </a:p>
+        </p:txBody>
+      </p:sp>
+      <p:sp>
+        <p:nvSpPr>
+          <p:cNvPr id="3" name="Content Placeholder 2"/>
           <p:cNvSpPr>
             <a:spLocks noGrp="1"/>
           </p:cNvSpPr>
@@ -4794,6 +4617,7 @@
               <a:rPr lang="en-IN" sz="1600" b="1" dirty="0"/>
               <a:t>Node.js:</a:t>
             </a:r>
+            <a:endParaRPr lang="en-IN" sz="1600" b="1" dirty="0"/>
           </a:p>
           <a:p>
             <a:pPr marL="0" indent="0">
@@ -4803,6 +4627,7 @@
               <a:rPr lang="en-US" sz="1400" dirty="0"/>
               <a:t>Node.js is used to build web servers. Using the built-in http module, you can create a server that listens for incoming HTTP requests and responds with the necessary data.</a:t>
             </a:r>
+            <a:endParaRPr lang="en-US" sz="1400" dirty="0"/>
           </a:p>
           <a:p>
             <a:pPr marL="0" indent="0">
@@ -4812,6 +4637,7 @@
               <a:rPr lang="en-US" sz="1400" dirty="0"/>
               <a:t>Node.js is often used alongside frameworks like Express.js to handle routing, making it easy to map URLs to different backend logic. Express simplifies the process of creating routes, handling request methods (GET, POST, PUT, DELETE), and managing responses.</a:t>
             </a:r>
+            <a:endParaRPr lang="en-US" sz="1400" dirty="0"/>
           </a:p>
           <a:p>
             <a:pPr marL="0" indent="0">
@@ -4821,6 +4647,7 @@
               <a:rPr lang="en-US" sz="1400" dirty="0"/>
               <a:t>It consists of the package JSON (JavaScript Object Notation).</a:t>
             </a:r>
+            <a:endParaRPr lang="en-US" sz="1400" dirty="0"/>
           </a:p>
           <a:p>
             <a:pPr marL="0" indent="0">
@@ -4830,6 +4657,7 @@
               <a:rPr lang="en-IN" sz="1600" b="1" dirty="0"/>
               <a:t>Express.js:</a:t>
             </a:r>
+            <a:endParaRPr lang="en-IN" sz="1600" b="1" dirty="0"/>
           </a:p>
           <a:p>
             <a:pPr marL="0" indent="0">
@@ -4839,6 +4667,7 @@
               <a:rPr lang="en-US" sz="1400" dirty="0"/>
               <a:t>Express.js is a lightweight and flexible Node.js web application framework designed to build backend applications, including web servers and APIs. It is one of the most popular frameworks for Node.js, as it simplifies and streamlines the process of creating server-side applications.</a:t>
             </a:r>
+            <a:endParaRPr lang="en-US" sz="1400" dirty="0"/>
           </a:p>
           <a:p>
             <a:pPr marL="0" indent="0">
@@ -4852,6 +4681,7 @@
               <a:rPr lang="en-US" sz="1200" dirty="0"/>
               <a:t>.</a:t>
             </a:r>
+            <a:endParaRPr lang="en-US" sz="1200" dirty="0"/>
           </a:p>
           <a:p>
             <a:pPr marL="0" indent="0">
@@ -4861,6 +4691,7 @@
               <a:rPr lang="en-US" sz="1600" b="1" dirty="0"/>
               <a:t>MongoDB:</a:t>
             </a:r>
+            <a:endParaRPr lang="en-US" sz="1600" b="1" dirty="0"/>
           </a:p>
           <a:p>
             <a:pPr marL="0" indent="0">
@@ -4891,11 +4722,6 @@
         </p:txBody>
       </p:sp>
     </p:spTree>
-    <p:extLst>
-      <p:ext uri="{BB962C8B-B14F-4D97-AF65-F5344CB8AC3E}">
-        <p14:creationId xmlns:p14="http://schemas.microsoft.com/office/powerpoint/2010/main" val="642589206"/>
-      </p:ext>
-    </p:extLst>
   </p:cSld>
   <p:clrMapOvr>
     <a:masterClrMapping/>
@@ -4922,13 +4748,7 @@
       </p:grpSpPr>
       <p:sp>
         <p:nvSpPr>
-          <p:cNvPr id="2" name="Title 1">
-            <a:extLst>
-              <a:ext uri="{FF2B5EF4-FFF2-40B4-BE49-F238E27FC236}">
-                <a16:creationId xmlns:a16="http://schemas.microsoft.com/office/drawing/2014/main" id="{35AA5F1C-0487-0C9A-62D7-9DA486007797}"/>
-              </a:ext>
-            </a:extLst>
-          </p:cNvPr>
+          <p:cNvPr id="2" name="Title 1"/>
           <p:cNvSpPr>
             <a:spLocks noGrp="1"/>
           </p:cNvSpPr>
@@ -4952,18 +4772,13 @@
               <a:rPr lang="en-IN" sz="2400" b="1" u="sng" dirty="0"/>
               <a:t>ACKNOWLEDGEMENTS</a:t>
             </a:r>
-          </a:p>
-        </p:txBody>
-      </p:sp>
-      <p:sp>
-        <p:nvSpPr>
-          <p:cNvPr id="3" name="Content Placeholder 2">
-            <a:extLst>
-              <a:ext uri="{FF2B5EF4-FFF2-40B4-BE49-F238E27FC236}">
-                <a16:creationId xmlns:a16="http://schemas.microsoft.com/office/drawing/2014/main" id="{90045E2C-F861-1F24-0FE3-404328D8E870}"/>
-              </a:ext>
-            </a:extLst>
-          </p:cNvPr>
+            <a:endParaRPr lang="en-IN" sz="2400" b="1" u="sng" dirty="0"/>
+          </a:p>
+        </p:txBody>
+      </p:sp>
+      <p:sp>
+        <p:nvSpPr>
+          <p:cNvPr id="3" name="Content Placeholder 2"/>
           <p:cNvSpPr>
             <a:spLocks noGrp="1"/>
           </p:cNvSpPr>
@@ -4991,6 +4806,7 @@
               <a:rPr lang="en-US" sz="1400" dirty="0"/>
               <a:t>: For the development and maintenance of this project.</a:t>
             </a:r>
+            <a:endParaRPr lang="en-US" sz="1400" dirty="0"/>
           </a:p>
           <a:p>
             <a:r>
@@ -5001,6 +4817,7 @@
               <a:rPr lang="en-US" sz="1400" dirty="0"/>
               <a:t>: For creating and designing the web application.</a:t>
             </a:r>
+            <a:endParaRPr lang="en-US" sz="1400" dirty="0"/>
           </a:p>
           <a:p>
             <a:r>
@@ -5011,6 +4828,7 @@
               <a:rPr lang="en-US" sz="1400" dirty="0"/>
               <a:t>: For backend development.</a:t>
             </a:r>
+            <a:endParaRPr lang="en-US" sz="1400" dirty="0"/>
           </a:p>
           <a:p>
             <a:r>
@@ -5026,11 +4844,6 @@
         </p:txBody>
       </p:sp>
     </p:spTree>
-    <p:extLst>
-      <p:ext uri="{BB962C8B-B14F-4D97-AF65-F5344CB8AC3E}">
-        <p14:creationId xmlns:p14="http://schemas.microsoft.com/office/powerpoint/2010/main" val="3834605948"/>
-      </p:ext>
-    </p:extLst>
   </p:cSld>
   <p:clrMapOvr>
     <a:masterClrMapping/>
@@ -5057,13 +4870,7 @@
       </p:grpSpPr>
       <p:sp>
         <p:nvSpPr>
-          <p:cNvPr id="2" name="Title 1">
-            <a:extLst>
-              <a:ext uri="{FF2B5EF4-FFF2-40B4-BE49-F238E27FC236}">
-                <a16:creationId xmlns:a16="http://schemas.microsoft.com/office/drawing/2014/main" id="{AC2C6BDF-3A7C-6295-E15E-CC2C9F3B2496}"/>
-              </a:ext>
-            </a:extLst>
-          </p:cNvPr>
+          <p:cNvPr id="2" name="Title 1"/>
           <p:cNvSpPr>
             <a:spLocks noGrp="1"/>
           </p:cNvSpPr>
@@ -5087,18 +4894,13 @@
               <a:rPr lang="en-IN" sz="2400" b="1" u="sng" dirty="0"/>
               <a:t>SCOPE OF THE PROJECT </a:t>
             </a:r>
-          </a:p>
-        </p:txBody>
-      </p:sp>
-      <p:sp>
-        <p:nvSpPr>
-          <p:cNvPr id="3" name="Content Placeholder 2">
-            <a:extLst>
-              <a:ext uri="{FF2B5EF4-FFF2-40B4-BE49-F238E27FC236}">
-                <a16:creationId xmlns:a16="http://schemas.microsoft.com/office/drawing/2014/main" id="{FFAC01D6-C981-4ABB-A739-3B17905F1B07}"/>
-              </a:ext>
-            </a:extLst>
-          </p:cNvPr>
+            <a:endParaRPr lang="en-IN" sz="2400" b="1" u="sng" dirty="0"/>
+          </a:p>
+        </p:txBody>
+      </p:sp>
+      <p:sp>
+        <p:nvSpPr>
+          <p:cNvPr id="3" name="Content Placeholder 2"/>
           <p:cNvSpPr>
             <a:spLocks noGrp="1"/>
           </p:cNvSpPr>
@@ -5126,6 +4928,7 @@
               <a:rPr lang="en-IN" sz="1400" dirty="0"/>
               <a:t>Generate customized resumes</a:t>
             </a:r>
+            <a:endParaRPr lang="en-IN" sz="1400" dirty="0"/>
           </a:p>
           <a:p>
             <a:pPr>
@@ -5140,6 +4943,7 @@
               <a:rPr lang="en-IN" sz="1400" dirty="0"/>
               <a:t> existing resumes</a:t>
             </a:r>
+            <a:endParaRPr lang="en-IN" sz="1400" dirty="0"/>
           </a:p>
           <a:p>
             <a:pPr>
@@ -5150,6 +4954,7 @@
               <a:rPr lang="en-IN" sz="1400" dirty="0"/>
               <a:t>Provide suggestions for skill optimization</a:t>
             </a:r>
+            <a:endParaRPr lang="en-IN" sz="1400" dirty="0"/>
           </a:p>
           <a:p>
             <a:pPr>
@@ -5160,6 +4965,7 @@
               <a:rPr lang="en-IN" sz="1400" dirty="0"/>
               <a:t>Section customization</a:t>
             </a:r>
+            <a:endParaRPr lang="en-IN" sz="1400" dirty="0"/>
           </a:p>
           <a:p>
             <a:pPr>
@@ -5170,6 +4976,7 @@
               <a:rPr lang="en-IN" sz="1400" dirty="0"/>
               <a:t>Easy-to-use Interface</a:t>
             </a:r>
+            <a:endParaRPr lang="en-IN" sz="1400" dirty="0"/>
           </a:p>
           <a:p>
             <a:pPr>
@@ -5180,6 +4987,7 @@
               <a:rPr lang="en-IN" sz="1400" dirty="0"/>
               <a:t>Time saving</a:t>
             </a:r>
+            <a:endParaRPr lang="en-IN" sz="1400" dirty="0"/>
           </a:p>
           <a:p>
             <a:pPr>
@@ -5190,15 +4998,11 @@
               <a:rPr lang="en-IN" sz="1400" dirty="0"/>
               <a:t>Personalized feedback</a:t>
             </a:r>
+            <a:endParaRPr lang="en-IN" sz="1400" dirty="0"/>
           </a:p>
         </p:txBody>
       </p:sp>
     </p:spTree>
-    <p:extLst>
-      <p:ext uri="{BB962C8B-B14F-4D97-AF65-F5344CB8AC3E}">
-        <p14:creationId xmlns:p14="http://schemas.microsoft.com/office/powerpoint/2010/main" val="1373727559"/>
-      </p:ext>
-    </p:extLst>
   </p:cSld>
   <p:clrMapOvr>
     <a:masterClrMapping/>
@@ -5225,13 +5029,7 @@
       </p:grpSpPr>
       <p:sp>
         <p:nvSpPr>
-          <p:cNvPr id="2" name="Title 1">
-            <a:extLst>
-              <a:ext uri="{FF2B5EF4-FFF2-40B4-BE49-F238E27FC236}">
-                <a16:creationId xmlns:a16="http://schemas.microsoft.com/office/drawing/2014/main" id="{84EC4BE9-11D8-C225-43AE-128AF53969AD}"/>
-              </a:ext>
-            </a:extLst>
-          </p:cNvPr>
+          <p:cNvPr id="2" name="Title 1"/>
           <p:cNvSpPr>
             <a:spLocks noGrp="1"/>
           </p:cNvSpPr>
@@ -5255,18 +5053,13 @@
               <a:rPr lang="en-IN" sz="2400" b="1" u="sng" dirty="0"/>
               <a:t>OUTPUT:</a:t>
             </a:r>
-          </a:p>
-        </p:txBody>
-      </p:sp>
-      <p:sp>
-        <p:nvSpPr>
-          <p:cNvPr id="3" name="Content Placeholder 2">
-            <a:extLst>
-              <a:ext uri="{FF2B5EF4-FFF2-40B4-BE49-F238E27FC236}">
-                <a16:creationId xmlns:a16="http://schemas.microsoft.com/office/drawing/2014/main" id="{1351FC68-2150-E76E-6C75-2EA54610E2ED}"/>
-              </a:ext>
-            </a:extLst>
-          </p:cNvPr>
+            <a:endParaRPr lang="en-IN" sz="2400" b="1" u="sng" dirty="0"/>
+          </a:p>
+        </p:txBody>
+      </p:sp>
+      <p:sp>
+        <p:nvSpPr>
+          <p:cNvPr id="3" name="Content Placeholder 2"/>
           <p:cNvSpPr>
             <a:spLocks noGrp="1"/>
           </p:cNvSpPr>
@@ -5293,6 +5086,7 @@
               <a:rPr lang="en-IN" sz="1400" b="1" dirty="0"/>
               <a:t>HOME PAGE</a:t>
             </a:r>
+            <a:endParaRPr lang="en-IN" sz="1400" b="1" dirty="0"/>
           </a:p>
           <a:p>
             <a:pPr marL="0" indent="0">
@@ -5304,20 +5098,14 @@
       </p:sp>
       <p:pic>
         <p:nvPicPr>
-          <p:cNvPr id="5" name="Picture 4">
-            <a:extLst>
-              <a:ext uri="{FF2B5EF4-FFF2-40B4-BE49-F238E27FC236}">
-                <a16:creationId xmlns:a16="http://schemas.microsoft.com/office/drawing/2014/main" id="{555EF5A0-D331-48DC-F18F-2414C971AB8B}"/>
-              </a:ext>
-            </a:extLst>
-          </p:cNvPr>
+          <p:cNvPr id="5" name="Picture 4"/>
           <p:cNvPicPr>
             <a:picLocks noChangeAspect="1"/>
           </p:cNvPicPr>
           <p:nvPr/>
         </p:nvPicPr>
         <p:blipFill>
-          <a:blip r:embed="rId2"/>
+          <a:blip r:embed="rId1"/>
           <a:stretch>
             <a:fillRect/>
           </a:stretch>
@@ -5333,11 +5121,6 @@
         </p:spPr>
       </p:pic>
     </p:spTree>
-    <p:extLst>
-      <p:ext uri="{BB962C8B-B14F-4D97-AF65-F5344CB8AC3E}">
-        <p14:creationId xmlns:p14="http://schemas.microsoft.com/office/powerpoint/2010/main" val="3016335314"/>
-      </p:ext>
-    </p:extLst>
   </p:cSld>
   <p:clrMapOvr>
     <a:masterClrMapping/>
@@ -5364,13 +5147,7 @@
       </p:grpSpPr>
       <p:sp>
         <p:nvSpPr>
-          <p:cNvPr id="2" name="Title 1">
-            <a:extLst>
-              <a:ext uri="{FF2B5EF4-FFF2-40B4-BE49-F238E27FC236}">
-                <a16:creationId xmlns:a16="http://schemas.microsoft.com/office/drawing/2014/main" id="{4E81579E-D585-4634-6741-EF0CEF7055A8}"/>
-              </a:ext>
-            </a:extLst>
-          </p:cNvPr>
+          <p:cNvPr id="2" name="Title 1"/>
           <p:cNvSpPr>
             <a:spLocks noGrp="1"/>
           </p:cNvSpPr>
@@ -5394,18 +5171,13 @@
               <a:rPr lang="en-IN" sz="1400" b="1" dirty="0"/>
               <a:t>REGISTER PAGE</a:t>
             </a:r>
+            <a:endParaRPr lang="en-IN" sz="1400" b="1" dirty="0"/>
           </a:p>
         </p:txBody>
       </p:sp>
       <p:pic>
         <p:nvPicPr>
-          <p:cNvPr id="5" name="Content Placeholder 4">
-            <a:extLst>
-              <a:ext uri="{FF2B5EF4-FFF2-40B4-BE49-F238E27FC236}">
-                <a16:creationId xmlns:a16="http://schemas.microsoft.com/office/drawing/2014/main" id="{5630D075-BC4A-33A1-8B38-A388F24B4BC2}"/>
-              </a:ext>
-            </a:extLst>
-          </p:cNvPr>
+          <p:cNvPr id="5" name="Content Placeholder 4"/>
           <p:cNvPicPr>
             <a:picLocks noGrp="1" noChangeAspect="1"/>
           </p:cNvPicPr>
@@ -5414,7 +5186,7 @@
           </p:nvPr>
         </p:nvPicPr>
         <p:blipFill>
-          <a:blip r:embed="rId2"/>
+          <a:blip r:embed="rId1"/>
           <a:stretch>
             <a:fillRect/>
           </a:stretch>
@@ -5427,11 +5199,6 @@
         </p:spPr>
       </p:pic>
     </p:spTree>
-    <p:extLst>
-      <p:ext uri="{BB962C8B-B14F-4D97-AF65-F5344CB8AC3E}">
-        <p14:creationId xmlns:p14="http://schemas.microsoft.com/office/powerpoint/2010/main" val="4153905701"/>
-      </p:ext>
-    </p:extLst>
   </p:cSld>
   <p:clrMapOvr>
     <a:masterClrMapping/>
@@ -5458,13 +5225,7 @@
       </p:grpSpPr>
       <p:sp>
         <p:nvSpPr>
-          <p:cNvPr id="2" name="Title 1">
-            <a:extLst>
-              <a:ext uri="{FF2B5EF4-FFF2-40B4-BE49-F238E27FC236}">
-                <a16:creationId xmlns:a16="http://schemas.microsoft.com/office/drawing/2014/main" id="{323715AB-6CC2-1F01-CA5C-EA0AD733531A}"/>
-              </a:ext>
-            </a:extLst>
-          </p:cNvPr>
+          <p:cNvPr id="2" name="Title 1"/>
           <p:cNvSpPr>
             <a:spLocks noGrp="1"/>
           </p:cNvSpPr>
@@ -5488,18 +5249,13 @@
               <a:rPr lang="en-IN" sz="1400" b="1" dirty="0"/>
               <a:t>LOGIN PAGE</a:t>
             </a:r>
+            <a:endParaRPr lang="en-IN" sz="1400" b="1" dirty="0"/>
           </a:p>
         </p:txBody>
       </p:sp>
       <p:pic>
         <p:nvPicPr>
-          <p:cNvPr id="5" name="Content Placeholder 4">
-            <a:extLst>
-              <a:ext uri="{FF2B5EF4-FFF2-40B4-BE49-F238E27FC236}">
-                <a16:creationId xmlns:a16="http://schemas.microsoft.com/office/drawing/2014/main" id="{CFC349F4-0543-E94D-38B3-FCEAA012C2CD}"/>
-              </a:ext>
-            </a:extLst>
-          </p:cNvPr>
+          <p:cNvPr id="5" name="Content Placeholder 4"/>
           <p:cNvPicPr>
             <a:picLocks noGrp="1" noChangeAspect="1"/>
           </p:cNvPicPr>
@@ -5508,7 +5264,7 @@
           </p:nvPr>
         </p:nvPicPr>
         <p:blipFill>
-          <a:blip r:embed="rId2"/>
+          <a:blip r:embed="rId1"/>
           <a:stretch>
             <a:fillRect/>
           </a:stretch>
@@ -5521,11 +5277,6 @@
         </p:spPr>
       </p:pic>
     </p:spTree>
-    <p:extLst>
-      <p:ext uri="{BB962C8B-B14F-4D97-AF65-F5344CB8AC3E}">
-        <p14:creationId xmlns:p14="http://schemas.microsoft.com/office/powerpoint/2010/main" val="4159513795"/>
-      </p:ext>
-    </p:extLst>
   </p:cSld>
   <p:clrMapOvr>
     <a:masterClrMapping/>
@@ -5552,13 +5303,7 @@
       </p:grpSpPr>
       <p:sp>
         <p:nvSpPr>
-          <p:cNvPr id="2" name="TextBox 1">
-            <a:extLst>
-              <a:ext uri="{FF2B5EF4-FFF2-40B4-BE49-F238E27FC236}">
-                <a16:creationId xmlns:a16="http://schemas.microsoft.com/office/drawing/2014/main" id="{7F63A78F-A598-6A07-DE35-C35ADFFDDE6D}"/>
-              </a:ext>
-            </a:extLst>
-          </p:cNvPr>
+          <p:cNvPr id="2" name="TextBox 1"/>
           <p:cNvSpPr txBox="1"/>
           <p:nvPr/>
         </p:nvSpPr>
@@ -5582,18 +5327,13 @@
               <a:rPr lang="en-IN" sz="2400" b="1" u="sng" dirty="0"/>
               <a:t>CONTENTS</a:t>
             </a:r>
-          </a:p>
-        </p:txBody>
-      </p:sp>
-      <p:sp>
-        <p:nvSpPr>
-          <p:cNvPr id="3" name="TextBox 2">
-            <a:extLst>
-              <a:ext uri="{FF2B5EF4-FFF2-40B4-BE49-F238E27FC236}">
-                <a16:creationId xmlns:a16="http://schemas.microsoft.com/office/drawing/2014/main" id="{B55FA52A-CCCD-62EF-1C3A-C1C8365BDBD8}"/>
-              </a:ext>
-            </a:extLst>
-          </p:cNvPr>
+            <a:endParaRPr lang="en-IN" sz="2400" b="1" u="sng" dirty="0"/>
+          </a:p>
+        </p:txBody>
+      </p:sp>
+      <p:sp>
+        <p:nvSpPr>
+          <p:cNvPr id="3" name="TextBox 2"/>
           <p:cNvSpPr txBox="1"/>
           <p:nvPr/>
         </p:nvSpPr>
@@ -5621,6 +5361,7 @@
               <a:rPr lang="en-IN" sz="1400" dirty="0"/>
               <a:t>Abstract</a:t>
             </a:r>
+            <a:endParaRPr lang="en-IN" sz="1400" dirty="0"/>
           </a:p>
           <a:p>
             <a:pPr marL="285750" indent="-285750">
@@ -5631,6 +5372,7 @@
               <a:rPr lang="en-IN" sz="1400" dirty="0"/>
               <a:t>Introduction</a:t>
             </a:r>
+            <a:endParaRPr lang="en-IN" sz="1400" dirty="0"/>
           </a:p>
           <a:p>
             <a:pPr marL="285750" indent="-285750">
@@ -5641,6 +5383,7 @@
               <a:rPr lang="en-IN" sz="1400" dirty="0"/>
               <a:t>Existing system</a:t>
             </a:r>
+            <a:endParaRPr lang="en-IN" sz="1400" dirty="0"/>
           </a:p>
           <a:p>
             <a:pPr marL="285750" indent="-285750">
@@ -5651,6 +5394,7 @@
               <a:rPr lang="en-IN" sz="1400" dirty="0"/>
               <a:t>Proposed system</a:t>
             </a:r>
+            <a:endParaRPr lang="en-IN" sz="1400" dirty="0"/>
           </a:p>
           <a:p>
             <a:pPr marL="285750" indent="-285750">
@@ -5676,6 +5420,7 @@
               <a:rPr lang="en-IN" sz="1400" dirty="0"/>
               <a:t>System design</a:t>
             </a:r>
+            <a:endParaRPr lang="en-IN" sz="1400" dirty="0"/>
           </a:p>
           <a:p>
             <a:pPr marL="285750" indent="-285750">
@@ -5686,6 +5431,7 @@
               <a:rPr lang="en-IN" sz="1400" dirty="0"/>
               <a:t>Technologies used</a:t>
             </a:r>
+            <a:endParaRPr lang="en-IN" sz="1400" dirty="0"/>
           </a:p>
           <a:p>
             <a:pPr marL="285750" indent="-285750">
@@ -5696,6 +5442,7 @@
               <a:rPr lang="en-IN" sz="1400" dirty="0"/>
               <a:t>Acknowledgments</a:t>
             </a:r>
+            <a:endParaRPr lang="en-IN" sz="1400" dirty="0"/>
           </a:p>
           <a:p>
             <a:pPr marL="285750" indent="-285750">
@@ -5706,6 +5453,7 @@
               <a:rPr lang="en-IN" sz="1400" dirty="0"/>
               <a:t>Scope of the project</a:t>
             </a:r>
+            <a:endParaRPr lang="en-IN" sz="1400" dirty="0"/>
           </a:p>
           <a:p>
             <a:pPr marL="285750" indent="-285750">
@@ -5716,6 +5464,7 @@
               <a:rPr lang="en-IN" sz="1400" dirty="0"/>
               <a:t>Output</a:t>
             </a:r>
+            <a:endParaRPr lang="en-IN" sz="1400" dirty="0"/>
           </a:p>
           <a:p>
             <a:pPr marL="285750" indent="-285750">
@@ -5726,6 +5475,7 @@
               <a:rPr lang="en-IN" sz="1400" dirty="0"/>
               <a:t>Advantages &amp; Disadvantages</a:t>
             </a:r>
+            <a:endParaRPr lang="en-IN" sz="1400" dirty="0"/>
           </a:p>
           <a:p>
             <a:pPr marL="285750" indent="-285750">
@@ -5736,6 +5486,7 @@
               <a:rPr lang="en-IN" sz="1400" dirty="0"/>
               <a:t>Future enhancements</a:t>
             </a:r>
+            <a:endParaRPr lang="en-IN" sz="1400" dirty="0"/>
           </a:p>
           <a:p>
             <a:pPr marL="285750" indent="-285750">
@@ -5746,15 +5497,11 @@
               <a:rPr lang="en-IN" sz="1400" dirty="0"/>
               <a:t>Conclusion</a:t>
             </a:r>
+            <a:endParaRPr lang="en-IN" sz="1400" dirty="0"/>
           </a:p>
         </p:txBody>
       </p:sp>
     </p:spTree>
-    <p:extLst>
-      <p:ext uri="{BB962C8B-B14F-4D97-AF65-F5344CB8AC3E}">
-        <p14:creationId xmlns:p14="http://schemas.microsoft.com/office/powerpoint/2010/main" val="3020564899"/>
-      </p:ext>
-    </p:extLst>
   </p:cSld>
   <p:clrMapOvr>
     <a:masterClrMapping/>
@@ -5781,13 +5528,7 @@
       </p:grpSpPr>
       <p:sp>
         <p:nvSpPr>
-          <p:cNvPr id="2" name="Title 1">
-            <a:extLst>
-              <a:ext uri="{FF2B5EF4-FFF2-40B4-BE49-F238E27FC236}">
-                <a16:creationId xmlns:a16="http://schemas.microsoft.com/office/drawing/2014/main" id="{B6599D34-8F54-48A9-F2B1-A63EC6932434}"/>
-              </a:ext>
-            </a:extLst>
-          </p:cNvPr>
+          <p:cNvPr id="2" name="Title 1"/>
           <p:cNvSpPr>
             <a:spLocks noGrp="1"/>
           </p:cNvSpPr>
@@ -5811,18 +5552,13 @@
               <a:rPr lang="en-IN" sz="1400" b="1" dirty="0"/>
               <a:t>RESUME BUILDER</a:t>
             </a:r>
+            <a:endParaRPr lang="en-IN" sz="1400" b="1" dirty="0"/>
           </a:p>
         </p:txBody>
       </p:sp>
       <p:pic>
         <p:nvPicPr>
-          <p:cNvPr id="17" name="Content Placeholder 16">
-            <a:extLst>
-              <a:ext uri="{FF2B5EF4-FFF2-40B4-BE49-F238E27FC236}">
-                <a16:creationId xmlns:a16="http://schemas.microsoft.com/office/drawing/2014/main" id="{FD930EDB-3F40-8B0A-C45D-D33E0A73917A}"/>
-              </a:ext>
-            </a:extLst>
-          </p:cNvPr>
+          <p:cNvPr id="17" name="Content Placeholder 16"/>
           <p:cNvPicPr>
             <a:picLocks noGrp="1" noChangeAspect="1"/>
           </p:cNvPicPr>
@@ -5831,7 +5567,7 @@
           </p:nvPr>
         </p:nvPicPr>
         <p:blipFill>
-          <a:blip r:embed="rId2"/>
+          <a:blip r:embed="rId1"/>
           <a:stretch>
             <a:fillRect/>
           </a:stretch>
@@ -5844,11 +5580,6 @@
         </p:spPr>
       </p:pic>
     </p:spTree>
-    <p:extLst>
-      <p:ext uri="{BB962C8B-B14F-4D97-AF65-F5344CB8AC3E}">
-        <p14:creationId xmlns:p14="http://schemas.microsoft.com/office/powerpoint/2010/main" val="2902672845"/>
-      </p:ext>
-    </p:extLst>
   </p:cSld>
   <p:clrMapOvr>
     <a:masterClrMapping/>
@@ -5875,13 +5606,7 @@
       </p:grpSpPr>
       <p:sp>
         <p:nvSpPr>
-          <p:cNvPr id="2" name="Title 1">
-            <a:extLst>
-              <a:ext uri="{FF2B5EF4-FFF2-40B4-BE49-F238E27FC236}">
-                <a16:creationId xmlns:a16="http://schemas.microsoft.com/office/drawing/2014/main" id="{F940BE7C-690E-AA42-76E7-E66F8CA4F4CA}"/>
-              </a:ext>
-            </a:extLst>
-          </p:cNvPr>
+          <p:cNvPr id="2" name="Title 1"/>
           <p:cNvSpPr>
             <a:spLocks noGrp="1"/>
           </p:cNvSpPr>
@@ -5905,18 +5630,13 @@
               <a:rPr lang="en-IN" sz="1400" b="1" dirty="0"/>
               <a:t>RESUME ANALYZER</a:t>
             </a:r>
+            <a:endParaRPr lang="en-IN" sz="1400" b="1" dirty="0"/>
           </a:p>
         </p:txBody>
       </p:sp>
       <p:pic>
         <p:nvPicPr>
-          <p:cNvPr id="5" name="Content Placeholder 4">
-            <a:extLst>
-              <a:ext uri="{FF2B5EF4-FFF2-40B4-BE49-F238E27FC236}">
-                <a16:creationId xmlns:a16="http://schemas.microsoft.com/office/drawing/2014/main" id="{39894CE9-BB80-D902-97B7-AED679787504}"/>
-              </a:ext>
-            </a:extLst>
-          </p:cNvPr>
+          <p:cNvPr id="5" name="Content Placeholder 4"/>
           <p:cNvPicPr>
             <a:picLocks noGrp="1" noChangeAspect="1"/>
           </p:cNvPicPr>
@@ -5925,7 +5645,7 @@
           </p:nvPr>
         </p:nvPicPr>
         <p:blipFill>
-          <a:blip r:embed="rId2"/>
+          <a:blip r:embed="rId1"/>
           <a:stretch>
             <a:fillRect/>
           </a:stretch>
@@ -5938,11 +5658,6 @@
         </p:spPr>
       </p:pic>
     </p:spTree>
-    <p:extLst>
-      <p:ext uri="{BB962C8B-B14F-4D97-AF65-F5344CB8AC3E}">
-        <p14:creationId xmlns:p14="http://schemas.microsoft.com/office/powerpoint/2010/main" val="638392680"/>
-      </p:ext>
-    </p:extLst>
   </p:cSld>
   <p:clrMapOvr>
     <a:masterClrMapping/>
@@ -5969,20 +5684,14 @@
       </p:grpSpPr>
       <p:pic>
         <p:nvPicPr>
-          <p:cNvPr id="5" name="Picture 4">
-            <a:extLst>
-              <a:ext uri="{FF2B5EF4-FFF2-40B4-BE49-F238E27FC236}">
-                <a16:creationId xmlns:a16="http://schemas.microsoft.com/office/drawing/2014/main" id="{60C4411B-0669-E727-E814-C2B389F9BFF0}"/>
-              </a:ext>
-            </a:extLst>
-          </p:cNvPr>
+          <p:cNvPr id="5" name="Picture 4"/>
           <p:cNvPicPr>
             <a:picLocks noChangeAspect="1"/>
           </p:cNvPicPr>
           <p:nvPr/>
         </p:nvPicPr>
         <p:blipFill>
-          <a:blip r:embed="rId2"/>
+          <a:blip r:embed="rId1"/>
           <a:stretch>
             <a:fillRect/>
           </a:stretch>
@@ -5998,11 +5707,6 @@
         </p:spPr>
       </p:pic>
     </p:spTree>
-    <p:extLst>
-      <p:ext uri="{BB962C8B-B14F-4D97-AF65-F5344CB8AC3E}">
-        <p14:creationId xmlns:p14="http://schemas.microsoft.com/office/powerpoint/2010/main" val="699416891"/>
-      </p:ext>
-    </p:extLst>
   </p:cSld>
   <p:clrMapOvr>
     <a:masterClrMapping/>
@@ -6029,20 +5733,14 @@
       </p:grpSpPr>
       <p:pic>
         <p:nvPicPr>
-          <p:cNvPr id="3" name="Picture 2">
-            <a:extLst>
-              <a:ext uri="{FF2B5EF4-FFF2-40B4-BE49-F238E27FC236}">
-                <a16:creationId xmlns:a16="http://schemas.microsoft.com/office/drawing/2014/main" id="{F62AD152-78A5-206D-3822-B6F1ED22D605}"/>
-              </a:ext>
-            </a:extLst>
-          </p:cNvPr>
+          <p:cNvPr id="3" name="Picture 2"/>
           <p:cNvPicPr>
             <a:picLocks noChangeAspect="1"/>
           </p:cNvPicPr>
           <p:nvPr/>
         </p:nvPicPr>
         <p:blipFill>
-          <a:blip r:embed="rId2"/>
+          <a:blip r:embed="rId1"/>
           <a:stretch>
             <a:fillRect/>
           </a:stretch>
@@ -6058,11 +5756,6 @@
         </p:spPr>
       </p:pic>
     </p:spTree>
-    <p:extLst>
-      <p:ext uri="{BB962C8B-B14F-4D97-AF65-F5344CB8AC3E}">
-        <p14:creationId xmlns:p14="http://schemas.microsoft.com/office/powerpoint/2010/main" val="3924698955"/>
-      </p:ext>
-    </p:extLst>
   </p:cSld>
   <p:clrMapOvr>
     <a:masterClrMapping/>
@@ -6089,13 +5782,7 @@
       </p:grpSpPr>
       <p:sp>
         <p:nvSpPr>
-          <p:cNvPr id="2" name="Title 1">
-            <a:extLst>
-              <a:ext uri="{FF2B5EF4-FFF2-40B4-BE49-F238E27FC236}">
-                <a16:creationId xmlns:a16="http://schemas.microsoft.com/office/drawing/2014/main" id="{F393A432-B347-F7F5-6FDB-0560B2684324}"/>
-              </a:ext>
-            </a:extLst>
-          </p:cNvPr>
+          <p:cNvPr id="2" name="Title 1"/>
           <p:cNvSpPr>
             <a:spLocks noGrp="1"/>
           </p:cNvSpPr>
@@ -6119,18 +5806,13 @@
               <a:rPr lang="en-IN" sz="1400" b="1" dirty="0"/>
               <a:t>RESUME GENERATOR</a:t>
             </a:r>
+            <a:endParaRPr lang="en-IN" sz="1400" b="1" dirty="0"/>
           </a:p>
         </p:txBody>
       </p:sp>
       <p:pic>
         <p:nvPicPr>
-          <p:cNvPr id="5" name="Content Placeholder 4">
-            <a:extLst>
-              <a:ext uri="{FF2B5EF4-FFF2-40B4-BE49-F238E27FC236}">
-                <a16:creationId xmlns:a16="http://schemas.microsoft.com/office/drawing/2014/main" id="{09B45AD7-DD27-7DC7-F460-2A224C2BB31D}"/>
-              </a:ext>
-            </a:extLst>
-          </p:cNvPr>
+          <p:cNvPr id="5" name="Content Placeholder 4"/>
           <p:cNvPicPr>
             <a:picLocks noGrp="1" noChangeAspect="1"/>
           </p:cNvPicPr>
@@ -6139,7 +5821,7 @@
           </p:nvPr>
         </p:nvPicPr>
         <p:blipFill>
-          <a:blip r:embed="rId2"/>
+          <a:blip r:embed="rId1"/>
           <a:stretch>
             <a:fillRect/>
           </a:stretch>
@@ -6152,11 +5834,6 @@
         </p:spPr>
       </p:pic>
     </p:spTree>
-    <p:extLst>
-      <p:ext uri="{BB962C8B-B14F-4D97-AF65-F5344CB8AC3E}">
-        <p14:creationId xmlns:p14="http://schemas.microsoft.com/office/powerpoint/2010/main" val="828097898"/>
-      </p:ext>
-    </p:extLst>
   </p:cSld>
   <p:clrMapOvr>
     <a:masterClrMapping/>
@@ -6183,20 +5860,14 @@
       </p:grpSpPr>
       <p:pic>
         <p:nvPicPr>
-          <p:cNvPr id="3" name="Picture 2">
-            <a:extLst>
-              <a:ext uri="{FF2B5EF4-FFF2-40B4-BE49-F238E27FC236}">
-                <a16:creationId xmlns:a16="http://schemas.microsoft.com/office/drawing/2014/main" id="{5FA2721F-41E5-94E3-E08A-0ED04B9D8B0E}"/>
-              </a:ext>
-            </a:extLst>
-          </p:cNvPr>
+          <p:cNvPr id="3" name="Picture 2"/>
           <p:cNvPicPr>
             <a:picLocks noChangeAspect="1"/>
           </p:cNvPicPr>
           <p:nvPr/>
         </p:nvPicPr>
         <p:blipFill>
-          <a:blip r:embed="rId2"/>
+          <a:blip r:embed="rId1"/>
           <a:stretch>
             <a:fillRect/>
           </a:stretch>
@@ -6212,11 +5883,6 @@
         </p:spPr>
       </p:pic>
     </p:spTree>
-    <p:extLst>
-      <p:ext uri="{BB962C8B-B14F-4D97-AF65-F5344CB8AC3E}">
-        <p14:creationId xmlns:p14="http://schemas.microsoft.com/office/powerpoint/2010/main" val="507978597"/>
-      </p:ext>
-    </p:extLst>
   </p:cSld>
   <p:clrMapOvr>
     <a:masterClrMapping/>
@@ -6243,13 +5909,7 @@
       </p:grpSpPr>
       <p:sp>
         <p:nvSpPr>
-          <p:cNvPr id="2" name="Title 1">
-            <a:extLst>
-              <a:ext uri="{FF2B5EF4-FFF2-40B4-BE49-F238E27FC236}">
-                <a16:creationId xmlns:a16="http://schemas.microsoft.com/office/drawing/2014/main" id="{625CEDA4-BD69-BFED-07F4-78BDFCB6EA71}"/>
-              </a:ext>
-            </a:extLst>
-          </p:cNvPr>
+          <p:cNvPr id="2" name="Title 1"/>
           <p:cNvSpPr>
             <a:spLocks noGrp="1"/>
           </p:cNvSpPr>
@@ -6273,18 +5933,13 @@
               <a:rPr lang="en-IN" sz="1400" b="1" dirty="0"/>
               <a:t>ABOUT US</a:t>
             </a:r>
+            <a:endParaRPr lang="en-IN" sz="1400" b="1" dirty="0"/>
           </a:p>
         </p:txBody>
       </p:sp>
       <p:pic>
         <p:nvPicPr>
-          <p:cNvPr id="5" name="Content Placeholder 4">
-            <a:extLst>
-              <a:ext uri="{FF2B5EF4-FFF2-40B4-BE49-F238E27FC236}">
-                <a16:creationId xmlns:a16="http://schemas.microsoft.com/office/drawing/2014/main" id="{33E64830-FCD4-28D1-8B10-AB8843D9FBFD}"/>
-              </a:ext>
-            </a:extLst>
-          </p:cNvPr>
+          <p:cNvPr id="5" name="Content Placeholder 4"/>
           <p:cNvPicPr>
             <a:picLocks noGrp="1" noChangeAspect="1"/>
           </p:cNvPicPr>
@@ -6293,7 +5948,7 @@
           </p:nvPr>
         </p:nvPicPr>
         <p:blipFill>
-          <a:blip r:embed="rId2"/>
+          <a:blip r:embed="rId1"/>
           <a:stretch>
             <a:fillRect/>
           </a:stretch>
@@ -6306,11 +5961,6 @@
         </p:spPr>
       </p:pic>
     </p:spTree>
-    <p:extLst>
-      <p:ext uri="{BB962C8B-B14F-4D97-AF65-F5344CB8AC3E}">
-        <p14:creationId xmlns:p14="http://schemas.microsoft.com/office/powerpoint/2010/main" val="375891423"/>
-      </p:ext>
-    </p:extLst>
   </p:cSld>
   <p:clrMapOvr>
     <a:masterClrMapping/>
@@ -6337,13 +5987,7 @@
       </p:grpSpPr>
       <p:sp>
         <p:nvSpPr>
-          <p:cNvPr id="2" name="Title 1">
-            <a:extLst>
-              <a:ext uri="{FF2B5EF4-FFF2-40B4-BE49-F238E27FC236}">
-                <a16:creationId xmlns:a16="http://schemas.microsoft.com/office/drawing/2014/main" id="{8BD66F0A-5DA3-5CC1-9667-DA048D2411A3}"/>
-              </a:ext>
-            </a:extLst>
-          </p:cNvPr>
+          <p:cNvPr id="2" name="Title 1"/>
           <p:cNvSpPr>
             <a:spLocks noGrp="1"/>
           </p:cNvSpPr>
@@ -6367,18 +6011,13 @@
               <a:rPr lang="en-IN" sz="2400" b="1" u="sng" dirty="0"/>
               <a:t>ADVANTAGES</a:t>
             </a:r>
-          </a:p>
-        </p:txBody>
-      </p:sp>
-      <p:sp>
-        <p:nvSpPr>
-          <p:cNvPr id="4" name="Rectangle 1">
-            <a:extLst>
-              <a:ext uri="{FF2B5EF4-FFF2-40B4-BE49-F238E27FC236}">
-                <a16:creationId xmlns:a16="http://schemas.microsoft.com/office/drawing/2014/main" id="{649BFC24-5F07-34D8-B3B7-FAD3BF97702E}"/>
-              </a:ext>
-            </a:extLst>
-          </p:cNvPr>
+            <a:endParaRPr lang="en-IN" sz="2400" b="1" u="sng" dirty="0"/>
+          </a:p>
+        </p:txBody>
+      </p:sp>
+      <p:sp>
+        <p:nvSpPr>
+          <p:cNvPr id="4" name="Rectangle 1"/>
           <p:cNvSpPr>
             <a:spLocks noGrp="1" noChangeArrowheads="1"/>
           </p:cNvSpPr>
@@ -6430,9 +6069,6 @@
         </p:spPr>
         <p:txBody>
           <a:bodyPr vert="horz" wrap="square" lIns="91440" tIns="45720" rIns="91440" bIns="45720" numCol="1" anchor="ctr" anchorCtr="0" compatLnSpc="1">
-            <a:prstTxWarp prst="textNoShape">
-              <a:avLst/>
-            </a:prstTxWarp>
             <a:spAutoFit/>
           </a:bodyPr>
           <a:lstStyle/>
@@ -6451,7 +6087,6 @@
               <a:buSzTx/>
               <a:buFontTx/>
               <a:buChar char="•"/>
-              <a:tabLst/>
             </a:pPr>
             <a:r>
               <a:rPr kumimoji="0" lang="en-US" altLang="en-US" sz="1400" b="1" i="0" u="none" strike="noStrike" cap="none" normalizeH="0" baseline="0" dirty="0">
@@ -6477,6 +6112,15 @@
               </a:rPr>
               <a:t>: With pre-built templates and auto-filled sections, users can quickly create professional resumes without spending hours on formatting.</a:t>
             </a:r>
+            <a:endParaRPr kumimoji="0" lang="en-US" altLang="en-US" sz="1400" b="0" i="0" u="none" strike="noStrike" cap="none" normalizeH="0" baseline="0" dirty="0">
+              <a:ln>
+                <a:noFill/>
+              </a:ln>
+              <a:solidFill>
+                <a:schemeClr val="tx1"/>
+              </a:solidFill>
+              <a:effectLst/>
+            </a:endParaRPr>
           </a:p>
           <a:p>
             <a:pPr marL="0" marR="0" lvl="0" indent="0" algn="l" defTabSz="914400" rtl="0" eaLnBrk="0" fontAlgn="base" latinLnBrk="0" hangingPunct="0">
@@ -6492,7 +6136,6 @@
               <a:buClrTx/>
               <a:buSzTx/>
               <a:buNone/>
-              <a:tabLst/>
             </a:pPr>
             <a:endParaRPr kumimoji="0" lang="en-US" altLang="en-US" sz="1400" b="0" i="0" u="none" strike="noStrike" cap="none" normalizeH="0" baseline="0" dirty="0">
               <a:ln>
@@ -6519,7 +6162,6 @@
               <a:buSzTx/>
               <a:buFontTx/>
               <a:buChar char="•"/>
-              <a:tabLst/>
             </a:pPr>
             <a:r>
               <a:rPr kumimoji="0" lang="en-US" altLang="en-US" sz="1400" b="1" i="0" u="none" strike="noStrike" cap="none" normalizeH="0" baseline="0" dirty="0">
@@ -6545,6 +6187,15 @@
               </a:rPr>
               <a:t>: The real-time resume analyzer provides instant feedback, allowing users to make corrections and improvements instantly, saving time compared to traditional methods of revising resumes manually.</a:t>
             </a:r>
+            <a:endParaRPr kumimoji="0" lang="en-US" altLang="en-US" sz="1400" b="0" i="0" u="none" strike="noStrike" cap="none" normalizeH="0" baseline="0" dirty="0">
+              <a:ln>
+                <a:noFill/>
+              </a:ln>
+              <a:solidFill>
+                <a:schemeClr val="tx1"/>
+              </a:solidFill>
+              <a:effectLst/>
+            </a:endParaRPr>
           </a:p>
           <a:p>
             <a:pPr marL="0" marR="0" lvl="0" indent="0" algn="l" defTabSz="914400" rtl="0" eaLnBrk="0" fontAlgn="base" latinLnBrk="0" hangingPunct="0">
@@ -6561,7 +6212,6 @@
               <a:buSzTx/>
               <a:buFontTx/>
               <a:buChar char="•"/>
-              <a:tabLst/>
             </a:pPr>
             <a:endParaRPr lang="en-US" altLang="en-US" sz="1400" dirty="0">
               <a:solidFill>
@@ -6584,7 +6234,6 @@
               <a:buSzTx/>
               <a:buFontTx/>
               <a:buChar char="•"/>
-              <a:tabLst/>
             </a:pPr>
             <a:endParaRPr kumimoji="0" lang="en-US" altLang="en-US" sz="1400" b="0" i="0" u="none" strike="noStrike" cap="none" normalizeH="0" baseline="0" dirty="0">
               <a:ln>
@@ -6611,7 +6260,6 @@
               <a:buSzTx/>
               <a:buFontTx/>
               <a:buNone/>
-              <a:tabLst/>
             </a:pPr>
             <a:endParaRPr kumimoji="0" lang="en-US" altLang="en-US" sz="1800" b="0" i="0" u="none" strike="noStrike" cap="none" normalizeH="0" baseline="0" dirty="0">
               <a:ln>
@@ -6628,13 +6276,7 @@
       </p:sp>
       <p:sp>
         <p:nvSpPr>
-          <p:cNvPr id="7" name="Rectangle 4">
-            <a:extLst>
-              <a:ext uri="{FF2B5EF4-FFF2-40B4-BE49-F238E27FC236}">
-                <a16:creationId xmlns:a16="http://schemas.microsoft.com/office/drawing/2014/main" id="{BF2B5FC4-D549-6406-AF78-B8BD97C741E1}"/>
-              </a:ext>
-            </a:extLst>
-          </p:cNvPr>
+          <p:cNvPr id="7" name="Rectangle 4"/>
           <p:cNvSpPr>
             <a:spLocks noChangeArrowheads="1"/>
           </p:cNvSpPr>
@@ -6684,9 +6326,6 @@
         </p:spPr>
         <p:txBody>
           <a:bodyPr vert="horz" wrap="square" lIns="91440" tIns="45720" rIns="91440" bIns="45720" numCol="1" anchor="ctr" anchorCtr="0" compatLnSpc="1">
-            <a:prstTxWarp prst="textNoShape">
-              <a:avLst/>
-            </a:prstTxWarp>
             <a:spAutoFit/>
           </a:bodyPr>
           <a:lstStyle/>
@@ -6705,7 +6344,6 @@
               <a:buSzTx/>
               <a:buFontTx/>
               <a:buChar char="•"/>
-              <a:tabLst/>
             </a:pPr>
             <a:r>
               <a:rPr kumimoji="0" lang="en-US" altLang="en-US" sz="1400" b="1" i="0" u="none" strike="noStrike" cap="none" normalizeH="0" baseline="0" dirty="0">
@@ -6731,6 +6369,15 @@
               </a:rPr>
               <a:t>: The application is designed to be intuitive, allowing even those with little technical knowledge to create and improve resumes effortlessly.</a:t>
             </a:r>
+            <a:endParaRPr kumimoji="0" lang="en-US" altLang="en-US" sz="1400" b="0" i="0" u="none" strike="noStrike" cap="none" normalizeH="0" baseline="0" dirty="0">
+              <a:ln>
+                <a:noFill/>
+              </a:ln>
+              <a:solidFill>
+                <a:schemeClr val="tx1"/>
+              </a:solidFill>
+              <a:effectLst/>
+            </a:endParaRPr>
           </a:p>
           <a:p>
             <a:pPr marL="0" marR="0" lvl="0" indent="0" algn="l" defTabSz="914400" rtl="0" eaLnBrk="0" fontAlgn="base" latinLnBrk="0" hangingPunct="0">
@@ -6745,7 +6392,6 @@
               </a:spcAft>
               <a:buClrTx/>
               <a:buSzTx/>
-              <a:tabLst/>
             </a:pPr>
             <a:endParaRPr kumimoji="0" lang="en-US" altLang="en-US" sz="1400" b="0" i="0" u="none" strike="noStrike" cap="none" normalizeH="0" baseline="0" dirty="0">
               <a:ln>
@@ -6773,7 +6419,6 @@
               <a:buSzTx/>
               <a:buFontTx/>
               <a:buChar char="•"/>
-              <a:tabLst/>
             </a:pPr>
             <a:r>
               <a:rPr kumimoji="0" lang="en-US" altLang="en-US" sz="1400" b="1" i="0" u="none" strike="noStrike" cap="none" normalizeH="0" baseline="0" dirty="0">
@@ -6803,6 +6448,7 @@
               <a:rPr lang="en-US" sz="1400" b="1" dirty="0"/>
               <a:t> </a:t>
             </a:r>
+            <a:endParaRPr lang="en-US" sz="1400" b="1" dirty="0"/>
           </a:p>
           <a:p>
             <a:pPr marL="0" marR="0" lvl="0" indent="0" algn="l" defTabSz="914400" rtl="0" eaLnBrk="0" fontAlgn="base" latinLnBrk="0" hangingPunct="0">
@@ -6819,7 +6465,6 @@
               <a:buSzTx/>
               <a:buFontTx/>
               <a:buChar char="•"/>
-              <a:tabLst/>
             </a:pPr>
             <a:endParaRPr lang="en-US" sz="1400" b="1" dirty="0"/>
           </a:p>
@@ -6838,7 +6483,6 @@
               <a:buSzTx/>
               <a:buFontTx/>
               <a:buChar char="•"/>
-              <a:tabLst/>
             </a:pPr>
             <a:r>
               <a:rPr lang="en-US" sz="1400" b="1" dirty="0"/>
@@ -6873,7 +6517,6 @@
               <a:buSzTx/>
               <a:buFontTx/>
               <a:buChar char="•"/>
-              <a:tabLst/>
             </a:pPr>
             <a:endParaRPr lang="en-US" altLang="en-US" sz="1400" dirty="0"/>
           </a:p>
@@ -6892,7 +6535,6 @@
               <a:buSzTx/>
               <a:buFontTx/>
               <a:buChar char="•"/>
-              <a:tabLst/>
             </a:pPr>
             <a:endParaRPr kumimoji="0" lang="en-US" altLang="en-US" sz="1400" b="0" i="0" u="none" strike="noStrike" cap="none" normalizeH="0" baseline="0" dirty="0">
               <a:ln>
@@ -6908,11 +6550,6 @@
         </p:txBody>
       </p:sp>
     </p:spTree>
-    <p:extLst>
-      <p:ext uri="{BB962C8B-B14F-4D97-AF65-F5344CB8AC3E}">
-        <p14:creationId xmlns:p14="http://schemas.microsoft.com/office/powerpoint/2010/main" val="1961040212"/>
-      </p:ext>
-    </p:extLst>
   </p:cSld>
   <p:clrMapOvr>
     <a:masterClrMapping/>
@@ -6939,13 +6576,7 @@
       </p:grpSpPr>
       <p:sp>
         <p:nvSpPr>
-          <p:cNvPr id="2" name="Title 1">
-            <a:extLst>
-              <a:ext uri="{FF2B5EF4-FFF2-40B4-BE49-F238E27FC236}">
-                <a16:creationId xmlns:a16="http://schemas.microsoft.com/office/drawing/2014/main" id="{D5281B35-4C80-D9B8-4245-3FF2275B6BAA}"/>
-              </a:ext>
-            </a:extLst>
-          </p:cNvPr>
+          <p:cNvPr id="2" name="Title 1"/>
           <p:cNvSpPr>
             <a:spLocks noGrp="1"/>
           </p:cNvSpPr>
@@ -6969,18 +6600,13 @@
               <a:rPr lang="en-IN" sz="2400" b="1" u="sng" dirty="0"/>
               <a:t>DISADVANTAGES </a:t>
             </a:r>
-          </a:p>
-        </p:txBody>
-      </p:sp>
-      <p:sp>
-        <p:nvSpPr>
-          <p:cNvPr id="3" name="Content Placeholder 2">
-            <a:extLst>
-              <a:ext uri="{FF2B5EF4-FFF2-40B4-BE49-F238E27FC236}">
-                <a16:creationId xmlns:a16="http://schemas.microsoft.com/office/drawing/2014/main" id="{B30B2188-9F29-E549-8331-6306A05F43BA}"/>
-              </a:ext>
-            </a:extLst>
-          </p:cNvPr>
+            <a:endParaRPr lang="en-IN" sz="2400" b="1" u="sng" dirty="0"/>
+          </a:p>
+        </p:txBody>
+      </p:sp>
+      <p:sp>
+        <p:nvSpPr>
+          <p:cNvPr id="3" name="Content Placeholder 2"/>
           <p:cNvSpPr>
             <a:spLocks noGrp="1"/>
           </p:cNvSpPr>
@@ -7011,6 +6637,7 @@
               <a:rPr lang="en-US" sz="1400" dirty="0"/>
               <a:t>: While AI can analyze resumes based on data and patterns, it may not fully understand the context or nuance of a user’s experiences, leading to recommendations that might not perfectly align with a user’s career goals or unique professional experiences.</a:t>
             </a:r>
+            <a:endParaRPr lang="en-US" sz="1400" dirty="0"/>
           </a:p>
           <a:p>
             <a:pPr marL="0" indent="0">
@@ -7032,6 +6659,7 @@
               <a:rPr lang="en-US" sz="1400" dirty="0"/>
               <a:t> recommendations might not be tailored enough to suit unique personal branding or career objectives.</a:t>
             </a:r>
+            <a:endParaRPr lang="en-US" sz="1400" dirty="0"/>
           </a:p>
           <a:p>
             <a:pPr marL="0" indent="0">
@@ -7043,13 +6671,7 @@
       </p:sp>
       <p:sp>
         <p:nvSpPr>
-          <p:cNvPr id="4" name="Rectangle 1">
-            <a:extLst>
-              <a:ext uri="{FF2B5EF4-FFF2-40B4-BE49-F238E27FC236}">
-                <a16:creationId xmlns:a16="http://schemas.microsoft.com/office/drawing/2014/main" id="{1364D697-22FC-4939-B53D-D70106DE4C63}"/>
-              </a:ext>
-            </a:extLst>
-          </p:cNvPr>
+          <p:cNvPr id="4" name="Rectangle 1"/>
           <p:cNvSpPr>
             <a:spLocks noChangeArrowheads="1"/>
           </p:cNvSpPr>
@@ -7099,9 +6721,6 @@
         </p:spPr>
         <p:txBody>
           <a:bodyPr vert="horz" wrap="square" lIns="91440" tIns="45720" rIns="91440" bIns="45720" numCol="1" anchor="ctr" anchorCtr="0" compatLnSpc="1">
-            <a:prstTxWarp prst="textNoShape">
-              <a:avLst/>
-            </a:prstTxWarp>
             <a:spAutoFit/>
           </a:bodyPr>
           <a:lstStyle/>
@@ -7118,7 +6737,6 @@
               </a:spcAft>
               <a:buClrTx/>
               <a:buSzTx/>
-              <a:tabLst/>
             </a:pPr>
             <a:r>
               <a:rPr kumimoji="0" lang="en-US" altLang="en-US" sz="1400" b="1" i="0" u="none" strike="noStrike" cap="none" normalizeH="0" baseline="0" dirty="0">
@@ -7144,6 +6762,15 @@
               </a:rPr>
               <a:t>: While AI can suggest improvements, a resume is ultimately a personal document that reflects an individual’s experiences, strengths, and aspirations. Relying too much on AI might make the resume feel too mechanical or impersonal, potentially reducing its effectiveness.</a:t>
             </a:r>
+            <a:endParaRPr kumimoji="0" lang="en-US" altLang="en-US" sz="1400" b="0" i="0" u="none" strike="noStrike" cap="none" normalizeH="0" baseline="0" dirty="0">
+              <a:ln>
+                <a:noFill/>
+              </a:ln>
+              <a:solidFill>
+                <a:schemeClr val="tx1"/>
+              </a:solidFill>
+              <a:effectLst/>
+            </a:endParaRPr>
           </a:p>
           <a:p>
             <a:pPr marL="0" marR="0" lvl="0" indent="0" algn="l" defTabSz="914400" rtl="0" eaLnBrk="0" fontAlgn="base" latinLnBrk="0" hangingPunct="0">
@@ -7158,7 +6785,6 @@
               </a:spcAft>
               <a:buClrTx/>
               <a:buSzTx/>
-              <a:tabLst/>
             </a:pPr>
             <a:endParaRPr kumimoji="0" lang="en-US" altLang="en-US" sz="1400" b="0" i="0" u="none" strike="noStrike" cap="none" normalizeH="0" baseline="0" dirty="0">
               <a:ln>
@@ -7183,7 +6809,6 @@
               </a:spcAft>
               <a:buClrTx/>
               <a:buSzTx/>
-              <a:tabLst/>
             </a:pPr>
             <a:r>
               <a:rPr kumimoji="0" lang="en-US" altLang="en-US" sz="1400" b="1" i="0" u="none" strike="noStrike" cap="none" normalizeH="0" baseline="0" dirty="0">
@@ -7209,15 +6834,19 @@
               </a:rPr>
               <a:t>: AI may struggle to evaluate or recommend changes related to softer aspects like communication skills, leadership qualities, or creativity, which are crucial for certain job roles and can make a resume more compelling.</a:t>
             </a:r>
+            <a:endParaRPr kumimoji="0" lang="en-US" altLang="en-US" sz="1400" b="0" i="0" u="none" strike="noStrike" cap="none" normalizeH="0" baseline="0" dirty="0">
+              <a:ln>
+                <a:noFill/>
+              </a:ln>
+              <a:solidFill>
+                <a:schemeClr val="tx1"/>
+              </a:solidFill>
+              <a:effectLst/>
+            </a:endParaRPr>
           </a:p>
         </p:txBody>
       </p:sp>
     </p:spTree>
-    <p:extLst>
-      <p:ext uri="{BB962C8B-B14F-4D97-AF65-F5344CB8AC3E}">
-        <p14:creationId xmlns:p14="http://schemas.microsoft.com/office/powerpoint/2010/main" val="2125940250"/>
-      </p:ext>
-    </p:extLst>
   </p:cSld>
   <p:clrMapOvr>
     <a:masterClrMapping/>
@@ -7244,13 +6873,7 @@
       </p:grpSpPr>
       <p:sp>
         <p:nvSpPr>
-          <p:cNvPr id="2" name="Title 1">
-            <a:extLst>
-              <a:ext uri="{FF2B5EF4-FFF2-40B4-BE49-F238E27FC236}">
-                <a16:creationId xmlns:a16="http://schemas.microsoft.com/office/drawing/2014/main" id="{0E85317A-4349-7AAE-7EF0-3FBBFFB40953}"/>
-              </a:ext>
-            </a:extLst>
-          </p:cNvPr>
+          <p:cNvPr id="2" name="Title 1"/>
           <p:cNvSpPr>
             <a:spLocks noGrp="1"/>
           </p:cNvSpPr>
@@ -7274,18 +6897,13 @@
               <a:rPr lang="en-IN" sz="2400" b="1" u="sng" dirty="0"/>
               <a:t>FUTURE ENHANCEMENTS</a:t>
             </a:r>
-          </a:p>
-        </p:txBody>
-      </p:sp>
-      <p:sp>
-        <p:nvSpPr>
-          <p:cNvPr id="3" name="Content Placeholder 2">
-            <a:extLst>
-              <a:ext uri="{FF2B5EF4-FFF2-40B4-BE49-F238E27FC236}">
-                <a16:creationId xmlns:a16="http://schemas.microsoft.com/office/drawing/2014/main" id="{E07E37D4-216F-EDA9-00E4-CC8491C19FBA}"/>
-              </a:ext>
-            </a:extLst>
-          </p:cNvPr>
+            <a:endParaRPr lang="en-IN" sz="2400" b="1" u="sng" dirty="0"/>
+          </a:p>
+        </p:txBody>
+      </p:sp>
+      <p:sp>
+        <p:nvSpPr>
+          <p:cNvPr id="3" name="Content Placeholder 2"/>
           <p:cNvSpPr>
             <a:spLocks noGrp="1"/>
           </p:cNvSpPr>
@@ -7312,6 +6930,7 @@
               <a:rPr lang="en-US" sz="1400" dirty="0"/>
               <a:t>Future enhancements for an AI-powered resume builder and analyzer could focus on improving user experience, increasing accuracy, and adding advanced features to better match resumes with job requirements. Here are some potential enhancements: </a:t>
             </a:r>
+            <a:endParaRPr lang="en-US" sz="1400" dirty="0"/>
           </a:p>
           <a:p>
             <a:pPr marL="0" indent="0">
@@ -7321,6 +6940,7 @@
               <a:rPr lang="en-US" sz="1400" dirty="0"/>
               <a:t>• Advanced Data Analytics and Reporting </a:t>
             </a:r>
+            <a:endParaRPr lang="en-US" sz="1400" dirty="0"/>
           </a:p>
           <a:p>
             <a:pPr marL="0" indent="0">
@@ -7330,6 +6950,7 @@
               <a:rPr lang="en-US" sz="1400" dirty="0"/>
               <a:t>• Behavioral and Personality Insights </a:t>
             </a:r>
+            <a:endParaRPr lang="en-US" sz="1400" dirty="0"/>
           </a:p>
           <a:p>
             <a:pPr marL="0" indent="0">
@@ -7339,6 +6960,7 @@
               <a:rPr lang="en-US" sz="1400" dirty="0"/>
               <a:t>• Advanced Interview Preparation Features </a:t>
             </a:r>
+            <a:endParaRPr lang="en-US" sz="1400" dirty="0"/>
           </a:p>
           <a:p>
             <a:pPr marL="0" indent="0">
@@ -7348,6 +6970,7 @@
               <a:rPr lang="en-US" sz="1400" dirty="0"/>
               <a:t>• AI-Powered Career Coaching </a:t>
             </a:r>
+            <a:endParaRPr lang="en-US" sz="1400" dirty="0"/>
           </a:p>
           <a:p>
             <a:pPr marL="0" indent="0">
@@ -7362,11 +6985,6 @@
         </p:txBody>
       </p:sp>
     </p:spTree>
-    <p:extLst>
-      <p:ext uri="{BB962C8B-B14F-4D97-AF65-F5344CB8AC3E}">
-        <p14:creationId xmlns:p14="http://schemas.microsoft.com/office/powerpoint/2010/main" val="2748876804"/>
-      </p:ext>
-    </p:extLst>
   </p:cSld>
   <p:clrMapOvr>
     <a:masterClrMapping/>
@@ -7393,13 +7011,7 @@
       </p:grpSpPr>
       <p:sp>
         <p:nvSpPr>
-          <p:cNvPr id="2" name="Title 1">
-            <a:extLst>
-              <a:ext uri="{FF2B5EF4-FFF2-40B4-BE49-F238E27FC236}">
-                <a16:creationId xmlns:a16="http://schemas.microsoft.com/office/drawing/2014/main" id="{3434878F-972C-B895-F974-A37ACB268231}"/>
-              </a:ext>
-            </a:extLst>
-          </p:cNvPr>
+          <p:cNvPr id="2" name="Title 1"/>
           <p:cNvSpPr>
             <a:spLocks noGrp="1"/>
           </p:cNvSpPr>
@@ -7418,18 +7030,13 @@
               <a:rPr lang="en-IN" sz="2400" b="1" u="sng" dirty="0"/>
               <a:t>Abstract</a:t>
             </a:r>
-          </a:p>
-        </p:txBody>
-      </p:sp>
-      <p:sp>
-        <p:nvSpPr>
-          <p:cNvPr id="3" name="Content Placeholder 2">
-            <a:extLst>
-              <a:ext uri="{FF2B5EF4-FFF2-40B4-BE49-F238E27FC236}">
-                <a16:creationId xmlns:a16="http://schemas.microsoft.com/office/drawing/2014/main" id="{82CAABA5-258D-1E13-C9CE-F4696B02A73A}"/>
-              </a:ext>
-            </a:extLst>
-          </p:cNvPr>
+            <a:endParaRPr lang="en-IN" sz="2400" b="1" u="sng" dirty="0"/>
+          </a:p>
+        </p:txBody>
+      </p:sp>
+      <p:sp>
+        <p:nvSpPr>
+          <p:cNvPr id="3" name="Content Placeholder 2"/>
           <p:cNvSpPr>
             <a:spLocks noGrp="1"/>
           </p:cNvSpPr>
@@ -7456,6 +7063,7 @@
               <a:rPr lang="en-US" sz="1400" dirty="0"/>
               <a:t>The AI-powered Resume Builder and Analyzer is a cutting-edge software application designed to assist job seekers in creating optimized resumes and analyzing existing ones. </a:t>
             </a:r>
+            <a:endParaRPr lang="en-US" sz="1400" dirty="0"/>
           </a:p>
           <a:p>
             <a:pPr marL="228600" indent="-228600">
@@ -7465,6 +7073,7 @@
               <a:rPr lang="en-US" sz="1400" dirty="0"/>
               <a:t>The builder enables users to input their personal details, education, work experience, skills, certifications, and other relevant data in a structured format.</a:t>
             </a:r>
+            <a:endParaRPr lang="en-US" sz="1400" dirty="0"/>
           </a:p>
           <a:p>
             <a:pPr marL="228600" indent="-228600">
@@ -7474,6 +7083,7 @@
               <a:rPr lang="en-US" sz="1400" dirty="0"/>
               <a:t>The system builds the resume based on the data provided by the user. The system will automatically populate these with the user’s data, ensuring a polished and consistent look</a:t>
             </a:r>
+            <a:endParaRPr lang="en-US" sz="1400" dirty="0"/>
           </a:p>
           <a:p>
             <a:pPr marL="228600" indent="-228600">
@@ -7483,6 +7093,7 @@
               <a:rPr lang="en-US" sz="1400" dirty="0"/>
               <a:t>The system analyses the uploaded resume and gives the feedback in the form of rating out of 10 and gives suggestions based on the skill set.</a:t>
             </a:r>
+            <a:endParaRPr lang="en-US" sz="1400" dirty="0"/>
           </a:p>
           <a:p>
             <a:pPr marL="228600" indent="-228600">
@@ -7505,11 +7116,6 @@
         </p:txBody>
       </p:sp>
     </p:spTree>
-    <p:extLst>
-      <p:ext uri="{BB962C8B-B14F-4D97-AF65-F5344CB8AC3E}">
-        <p14:creationId xmlns:p14="http://schemas.microsoft.com/office/powerpoint/2010/main" val="2340789502"/>
-      </p:ext>
-    </p:extLst>
   </p:cSld>
   <p:clrMapOvr>
     <a:masterClrMapping/>
@@ -7536,13 +7142,7 @@
       </p:grpSpPr>
       <p:sp>
         <p:nvSpPr>
-          <p:cNvPr id="2" name="Title 1">
-            <a:extLst>
-              <a:ext uri="{FF2B5EF4-FFF2-40B4-BE49-F238E27FC236}">
-                <a16:creationId xmlns:a16="http://schemas.microsoft.com/office/drawing/2014/main" id="{8EC6233A-AB48-B7A0-C20C-EE2751A05B43}"/>
-              </a:ext>
-            </a:extLst>
-          </p:cNvPr>
+          <p:cNvPr id="2" name="Title 1"/>
           <p:cNvSpPr>
             <a:spLocks noGrp="1"/>
           </p:cNvSpPr>
@@ -7566,18 +7166,13 @@
               <a:rPr lang="en-IN" sz="2400" b="1" u="sng" dirty="0"/>
               <a:t>CONCLUSION</a:t>
             </a:r>
-          </a:p>
-        </p:txBody>
-      </p:sp>
-      <p:sp>
-        <p:nvSpPr>
-          <p:cNvPr id="3" name="Content Placeholder 2">
-            <a:extLst>
-              <a:ext uri="{FF2B5EF4-FFF2-40B4-BE49-F238E27FC236}">
-                <a16:creationId xmlns:a16="http://schemas.microsoft.com/office/drawing/2014/main" id="{DBCADCB1-16EA-AEB8-D94D-B6F3ECA64969}"/>
-              </a:ext>
-            </a:extLst>
-          </p:cNvPr>
+            <a:endParaRPr lang="en-IN" sz="2400" b="1" u="sng" dirty="0"/>
+          </a:p>
+        </p:txBody>
+      </p:sp>
+      <p:sp>
+        <p:nvSpPr>
+          <p:cNvPr id="3" name="Content Placeholder 2"/>
           <p:cNvSpPr>
             <a:spLocks noGrp="1"/>
           </p:cNvSpPr>
@@ -7604,6 +7199,7 @@
               <a:rPr lang="en-US" sz="1400" dirty="0"/>
               <a:t>In conclusion, an AI-powered resume builder and analyzer represents a significant advancement in job application processes, offering numerous benefits for both job seekers and recruiters. By leveraging AI's capabilities, such tools can optimize resume creation, ensuring that it is tailored to the specific job description, industry standards, and recruitment algorithms. </a:t>
             </a:r>
+            <a:endParaRPr lang="en-US" sz="1400" dirty="0"/>
           </a:p>
           <a:p>
             <a:pPr marL="0" indent="0">
@@ -7613,6 +7209,7 @@
               <a:rPr lang="en-US" sz="1400" dirty="0"/>
               <a:t>For job seekers, this means faster, more efficient resume crafting, personalized suggestions for improvement, and increased chances of getting noticed by employers. For recruiters, AI-driven analysis ensures that candidates' qualifications are accurately assessed, streamlining the process. </a:t>
             </a:r>
+            <a:endParaRPr lang="en-US" sz="1400" dirty="0"/>
           </a:p>
           <a:p>
             <a:pPr marL="0" indent="0">
@@ -7627,11 +7224,6 @@
         </p:txBody>
       </p:sp>
     </p:spTree>
-    <p:extLst>
-      <p:ext uri="{BB962C8B-B14F-4D97-AF65-F5344CB8AC3E}">
-        <p14:creationId xmlns:p14="http://schemas.microsoft.com/office/powerpoint/2010/main" val="271358694"/>
-      </p:ext>
-    </p:extLst>
   </p:cSld>
   <p:clrMapOvr>
     <a:masterClrMapping/>
@@ -7658,20 +7250,14 @@
       </p:grpSpPr>
       <p:pic>
         <p:nvPicPr>
-          <p:cNvPr id="3" name="Picture 2">
-            <a:extLst>
-              <a:ext uri="{FF2B5EF4-FFF2-40B4-BE49-F238E27FC236}">
-                <a16:creationId xmlns:a16="http://schemas.microsoft.com/office/drawing/2014/main" id="{9A39D94B-7D32-5BE6-7FA8-B958AB2DCE86}"/>
-              </a:ext>
-            </a:extLst>
-          </p:cNvPr>
+          <p:cNvPr id="3" name="Picture 2"/>
           <p:cNvPicPr>
             <a:picLocks noChangeAspect="1"/>
           </p:cNvPicPr>
           <p:nvPr/>
         </p:nvPicPr>
         <p:blipFill>
-          <a:blip r:embed="rId2"/>
+          <a:blip r:embed="rId1"/>
           <a:stretch>
             <a:fillRect/>
           </a:stretch>
@@ -7687,11 +7273,6 @@
         </p:spPr>
       </p:pic>
     </p:spTree>
-    <p:extLst>
-      <p:ext uri="{BB962C8B-B14F-4D97-AF65-F5344CB8AC3E}">
-        <p14:creationId xmlns:p14="http://schemas.microsoft.com/office/powerpoint/2010/main" val="3135535233"/>
-      </p:ext>
-    </p:extLst>
   </p:cSld>
   <p:clrMapOvr>
     <a:masterClrMapping/>
@@ -7718,13 +7299,7 @@
       </p:grpSpPr>
       <p:sp>
         <p:nvSpPr>
-          <p:cNvPr id="2" name="Title 1">
-            <a:extLst>
-              <a:ext uri="{FF2B5EF4-FFF2-40B4-BE49-F238E27FC236}">
-                <a16:creationId xmlns:a16="http://schemas.microsoft.com/office/drawing/2014/main" id="{903B2F1D-1BB5-9762-F77F-B6020A2BCEE0}"/>
-              </a:ext>
-            </a:extLst>
-          </p:cNvPr>
+          <p:cNvPr id="2" name="Title 1"/>
           <p:cNvSpPr>
             <a:spLocks noGrp="1"/>
           </p:cNvSpPr>
@@ -7748,18 +7323,13 @@
               <a:rPr lang="en-IN" sz="2400" b="1" u="sng" dirty="0"/>
               <a:t>INTRODUCTION</a:t>
             </a:r>
-          </a:p>
-        </p:txBody>
-      </p:sp>
-      <p:sp>
-        <p:nvSpPr>
-          <p:cNvPr id="3" name="Content Placeholder 2">
-            <a:extLst>
-              <a:ext uri="{FF2B5EF4-FFF2-40B4-BE49-F238E27FC236}">
-                <a16:creationId xmlns:a16="http://schemas.microsoft.com/office/drawing/2014/main" id="{00AC44E5-EA96-66BE-D889-088601BC07B0}"/>
-              </a:ext>
-            </a:extLst>
-          </p:cNvPr>
+            <a:endParaRPr lang="en-IN" sz="2400" b="1" u="sng" dirty="0"/>
+          </a:p>
+        </p:txBody>
+      </p:sp>
+      <p:sp>
+        <p:nvSpPr>
+          <p:cNvPr id="3" name="Content Placeholder 2"/>
           <p:cNvSpPr>
             <a:spLocks noGrp="1"/>
           </p:cNvSpPr>
@@ -7783,6 +7353,7 @@
               <a:rPr lang="en-US" sz="1400" dirty="0"/>
               <a:t>In today’s fast-paced and competitive job market, a well-crafted resume is a critical tool in securing employment opportunities. However, many job seekers find it challenging to create a resume that effectively highlights their skills, experience, and qualifications while adhering to industry standards and expectations. The task of formatting a resume, ensuring the correct use of keywords, and presenting achievements in a compelling manner can be time-consuming and often requires significant trial and error.</a:t>
             </a:r>
+            <a:endParaRPr lang="en-US" sz="1400" dirty="0"/>
           </a:p>
           <a:p>
             <a:r>
@@ -7793,6 +7364,7 @@
               <a:rPr lang="en-US" sz="1200" dirty="0"/>
               <a:t>. </a:t>
             </a:r>
+            <a:endParaRPr lang="en-US" sz="1200" dirty="0"/>
           </a:p>
           <a:p>
             <a:r>
@@ -7804,11 +7376,6 @@
         </p:txBody>
       </p:sp>
     </p:spTree>
-    <p:extLst>
-      <p:ext uri="{BB962C8B-B14F-4D97-AF65-F5344CB8AC3E}">
-        <p14:creationId xmlns:p14="http://schemas.microsoft.com/office/powerpoint/2010/main" val="3916207917"/>
-      </p:ext>
-    </p:extLst>
   </p:cSld>
   <p:clrMapOvr>
     <a:masterClrMapping/>
@@ -7835,13 +7402,7 @@
       </p:grpSpPr>
       <p:sp>
         <p:nvSpPr>
-          <p:cNvPr id="2" name="Title 1">
-            <a:extLst>
-              <a:ext uri="{FF2B5EF4-FFF2-40B4-BE49-F238E27FC236}">
-                <a16:creationId xmlns:a16="http://schemas.microsoft.com/office/drawing/2014/main" id="{6BDCE6F8-826B-80E6-9FF0-C0A767C71E31}"/>
-              </a:ext>
-            </a:extLst>
-          </p:cNvPr>
+          <p:cNvPr id="2" name="Title 1"/>
           <p:cNvSpPr>
             <a:spLocks noGrp="1"/>
           </p:cNvSpPr>
@@ -7865,18 +7426,13 @@
               <a:rPr lang="en-IN" sz="2400" b="1" u="sng" dirty="0"/>
               <a:t>EXISTING SYSTEM</a:t>
             </a:r>
-          </a:p>
-        </p:txBody>
-      </p:sp>
-      <p:sp>
-        <p:nvSpPr>
-          <p:cNvPr id="3" name="Content Placeholder 2">
-            <a:extLst>
-              <a:ext uri="{FF2B5EF4-FFF2-40B4-BE49-F238E27FC236}">
-                <a16:creationId xmlns:a16="http://schemas.microsoft.com/office/drawing/2014/main" id="{CA7B4C2C-88E6-D898-9C92-B0F94F03284A}"/>
-              </a:ext>
-            </a:extLst>
-          </p:cNvPr>
+            <a:endParaRPr lang="en-IN" sz="2400" b="1" u="sng" dirty="0"/>
+          </a:p>
+        </p:txBody>
+      </p:sp>
+      <p:sp>
+        <p:nvSpPr>
+          <p:cNvPr id="3" name="Content Placeholder 2"/>
           <p:cNvSpPr>
             <a:spLocks noGrp="1"/>
           </p:cNvSpPr>
@@ -7903,6 +7459,7 @@
               <a:rPr lang="en-US" sz="1400" dirty="0"/>
               <a:t>The existing system is manual resume builder and analysis. Job seekers create resumes manually using word processing software like Microsoft Word or Google Docs. Hiring managers and recruiters manually review resumes to identify relevant skills, experience, and qualifications. Manual resume writing and analysis are time-consuming and labor-intensive. Resumes are often unstructured and lack standardization, making it difficult for hiring managers to compare candidates. Manual resume analysis can be prone to bias and inaccuracy, leading to qualified candidates being overlooked. Job seekers often receive limited feedback on their resumes, making it difficult to improve.</a:t>
             </a:r>
+            <a:endParaRPr lang="en-US" sz="1400" dirty="0"/>
           </a:p>
           <a:p>
             <a:pPr marL="0" indent="0">
@@ -7912,6 +7469,7 @@
               <a:rPr lang="en-US" sz="1400" b="1" dirty="0"/>
               <a:t> Disadvantages of existing System:</a:t>
             </a:r>
+            <a:endParaRPr lang="en-US" sz="1400" b="1" dirty="0"/>
           </a:p>
           <a:p>
             <a:pPr marL="0" indent="0">
@@ -7921,6 +7479,7 @@
               <a:rPr lang="en-US" sz="1400" dirty="0"/>
               <a:t> • Time consuming and labor intensive</a:t>
             </a:r>
+            <a:endParaRPr lang="en-US" sz="1400" dirty="0"/>
           </a:p>
           <a:p>
             <a:pPr marL="0" indent="0">
@@ -7930,6 +7489,7 @@
               <a:rPr lang="en-US" sz="1400" dirty="0"/>
               <a:t> • Lack of standardization</a:t>
             </a:r>
+            <a:endParaRPr lang="en-US" sz="1400" dirty="0"/>
           </a:p>
           <a:p>
             <a:pPr marL="0" indent="0">
@@ -7939,6 +7499,7 @@
               <a:rPr lang="en-US" sz="1400" dirty="0"/>
               <a:t> • Prone to Bias and Inaccuracy </a:t>
             </a:r>
+            <a:endParaRPr lang="en-US" sz="1400" dirty="0"/>
           </a:p>
           <a:p>
             <a:pPr marL="0" indent="0">
@@ -7948,6 +7509,7 @@
               <a:rPr lang="en-US" sz="1400" dirty="0"/>
               <a:t> • Limited feedback for job seekers </a:t>
             </a:r>
+            <a:endParaRPr lang="en-US" sz="1400" dirty="0"/>
           </a:p>
           <a:p>
             <a:pPr marL="0" indent="0">
@@ -7962,11 +7524,6 @@
         </p:txBody>
       </p:sp>
     </p:spTree>
-    <p:extLst>
-      <p:ext uri="{BB962C8B-B14F-4D97-AF65-F5344CB8AC3E}">
-        <p14:creationId xmlns:p14="http://schemas.microsoft.com/office/powerpoint/2010/main" val="1908337105"/>
-      </p:ext>
-    </p:extLst>
   </p:cSld>
   <p:clrMapOvr>
     <a:masterClrMapping/>
@@ -7993,13 +7550,7 @@
       </p:grpSpPr>
       <p:sp>
         <p:nvSpPr>
-          <p:cNvPr id="2" name="Title 1">
-            <a:extLst>
-              <a:ext uri="{FF2B5EF4-FFF2-40B4-BE49-F238E27FC236}">
-                <a16:creationId xmlns:a16="http://schemas.microsoft.com/office/drawing/2014/main" id="{5764370F-6606-4A86-C1BF-62D7BEE7703C}"/>
-              </a:ext>
-            </a:extLst>
-          </p:cNvPr>
+          <p:cNvPr id="2" name="Title 1"/>
           <p:cNvSpPr>
             <a:spLocks noGrp="1"/>
           </p:cNvSpPr>
@@ -8023,18 +7574,13 @@
               <a:rPr lang="en-IN" sz="2400" b="1" u="sng" dirty="0"/>
               <a:t>PROPOSED SYSTEM</a:t>
             </a:r>
-          </a:p>
-        </p:txBody>
-      </p:sp>
-      <p:sp>
-        <p:nvSpPr>
-          <p:cNvPr id="3" name="Content Placeholder 2">
-            <a:extLst>
-              <a:ext uri="{FF2B5EF4-FFF2-40B4-BE49-F238E27FC236}">
-                <a16:creationId xmlns:a16="http://schemas.microsoft.com/office/drawing/2014/main" id="{8370C967-4503-8858-9CE3-312E43E77D9B}"/>
-              </a:ext>
-            </a:extLst>
-          </p:cNvPr>
+            <a:endParaRPr lang="en-IN" sz="2400" b="1" u="sng" dirty="0"/>
+          </a:p>
+        </p:txBody>
+      </p:sp>
+      <p:sp>
+        <p:nvSpPr>
+          <p:cNvPr id="3" name="Content Placeholder 2"/>
           <p:cNvSpPr>
             <a:spLocks noGrp="1"/>
           </p:cNvSpPr>
@@ -8062,6 +7608,7 @@
               <a:rPr lang="en-US" sz="1400" dirty="0"/>
               <a:t>The AI-Powered Resume Builder and Analyzer is designed to address the limitations and inefficiencies of the existing manual system.</a:t>
             </a:r>
+            <a:endParaRPr lang="en-US" sz="1400" dirty="0"/>
           </a:p>
           <a:p>
             <a:pPr>
@@ -8072,6 +7619,7 @@
               <a:rPr lang="en-US" sz="1400" dirty="0"/>
               <a:t>The AI-Powered Resume Builder will offer a guided, user-friendly platform to help job seekers create personalized resume. </a:t>
             </a:r>
+            <a:endParaRPr lang="en-US" sz="1400" dirty="0"/>
           </a:p>
           <a:p>
             <a:pPr>
@@ -8086,6 +7634,7 @@
               <a:rPr lang="en-US" dirty="0"/>
               <a:t>.</a:t>
             </a:r>
+            <a:endParaRPr lang="en-US" dirty="0"/>
           </a:p>
           <a:p>
             <a:pPr>
@@ -8096,6 +7645,7 @@
               <a:rPr lang="en-US" sz="1400" dirty="0"/>
               <a:t>The AI-Powered Resume Analyzer will analyze the resume and gives feedback according to the skillset mentioned in the resume</a:t>
             </a:r>
+            <a:endParaRPr lang="en-US" sz="1400" dirty="0"/>
           </a:p>
           <a:p>
             <a:pPr marL="0" indent="0">
@@ -8105,6 +7655,7 @@
               <a:rPr lang="en-US" sz="1400" b="1" dirty="0"/>
               <a:t> key features of the proposed system:</a:t>
             </a:r>
+            <a:endParaRPr lang="en-US" sz="1400" b="1" dirty="0"/>
           </a:p>
           <a:p>
             <a:pPr marL="0" indent="0">
@@ -8118,6 +7669,7 @@
               <a:rPr lang="en-US" sz="1400" dirty="0"/>
               <a:t>User Authentication: Secure login and registration system to personalize user experience.</a:t>
             </a:r>
+            <a:endParaRPr lang="en-US" sz="1400" dirty="0"/>
           </a:p>
           <a:p>
             <a:pPr marL="0" indent="0">
@@ -8127,6 +7679,7 @@
               <a:rPr lang="en-US" sz="1400" dirty="0"/>
               <a:t>*Resume Templates: A variety of professionally designed templates to choose from.</a:t>
             </a:r>
+            <a:endParaRPr lang="en-US" sz="1400" dirty="0"/>
           </a:p>
           <a:p>
             <a:pPr marL="0" indent="0">
@@ -8136,6 +7689,7 @@
               <a:rPr lang="en-US" sz="1400" dirty="0"/>
               <a:t>*Real-time Preview: Instant preview of the resume as users fill in their details. </a:t>
             </a:r>
+            <a:endParaRPr lang="en-US" sz="1400" dirty="0"/>
           </a:p>
           <a:p>
             <a:pPr marL="0" indent="0">
@@ -8145,6 +7699,7 @@
               <a:rPr lang="en-US" sz="1400" dirty="0"/>
               <a:t>*PDF Export: Generate and download resumes in PDF format.</a:t>
             </a:r>
+            <a:endParaRPr lang="en-US" sz="1400" dirty="0"/>
           </a:p>
           <a:p>
             <a:pPr marL="0" indent="0">
@@ -8154,6 +7709,7 @@
               <a:rPr lang="en-US" sz="1400" dirty="0"/>
               <a:t>*Responsive Design: Optimized for both desktop and mobile devices.</a:t>
             </a:r>
+            <a:endParaRPr lang="en-US" sz="1400" dirty="0"/>
           </a:p>
           <a:p>
             <a:pPr marL="0" indent="0">
@@ -8168,11 +7724,6 @@
         </p:txBody>
       </p:sp>
     </p:spTree>
-    <p:extLst>
-      <p:ext uri="{BB962C8B-B14F-4D97-AF65-F5344CB8AC3E}">
-        <p14:creationId xmlns:p14="http://schemas.microsoft.com/office/powerpoint/2010/main" val="3138273878"/>
-      </p:ext>
-    </p:extLst>
   </p:cSld>
   <p:clrMapOvr>
     <a:masterClrMapping/>
@@ -8199,13 +7750,7 @@
       </p:grpSpPr>
       <p:sp>
         <p:nvSpPr>
-          <p:cNvPr id="2" name="TextBox 1">
-            <a:extLst>
-              <a:ext uri="{FF2B5EF4-FFF2-40B4-BE49-F238E27FC236}">
-                <a16:creationId xmlns:a16="http://schemas.microsoft.com/office/drawing/2014/main" id="{45DA7BFD-E297-99CD-D2D0-F6BF1A440D52}"/>
-              </a:ext>
-            </a:extLst>
-          </p:cNvPr>
+          <p:cNvPr id="2" name="TextBox 1"/>
           <p:cNvSpPr txBox="1"/>
           <p:nvPr/>
         </p:nvSpPr>
@@ -8229,25 +7774,20 @@
               <a:rPr lang="en-IN" sz="2400" b="1" u="sng" dirty="0"/>
               <a:t>SYSTEM REQUIRMENTS SPECIFICATIONS</a:t>
             </a:r>
-          </a:p>
-        </p:txBody>
-      </p:sp>
-      <p:sp>
-        <p:nvSpPr>
-          <p:cNvPr id="3" name="TextBox 2">
-            <a:extLst>
-              <a:ext uri="{FF2B5EF4-FFF2-40B4-BE49-F238E27FC236}">
-                <a16:creationId xmlns:a16="http://schemas.microsoft.com/office/drawing/2014/main" id="{D7CF0A7C-E5D7-8F42-ADE6-7DC377D36F40}"/>
-              </a:ext>
-            </a:extLst>
-          </p:cNvPr>
+            <a:endParaRPr lang="en-IN" sz="2400" b="1" u="sng" dirty="0"/>
+          </a:p>
+        </p:txBody>
+      </p:sp>
+      <p:sp>
+        <p:nvSpPr>
+          <p:cNvPr id="3" name="TextBox 2"/>
           <p:cNvSpPr txBox="1"/>
           <p:nvPr/>
         </p:nvSpPr>
         <p:spPr>
           <a:xfrm>
             <a:off x="1203767" y="1406013"/>
-            <a:ext cx="5216698" cy="1169551"/>
+            <a:ext cx="5216698" cy="1383665"/>
           </a:xfrm>
           <a:prstGeom prst="rect">
             <a:avLst/>
@@ -8264,62 +7804,59 @@
               <a:rPr lang="en-IN" sz="1400" b="1" dirty="0"/>
               <a:t>HARDWARE REQUIRMENTS :</a:t>
             </a:r>
+            <a:endParaRPr lang="en-IN" sz="1400" b="1" dirty="0"/>
           </a:p>
           <a:p>
             <a:r>
               <a:rPr lang="en-IN" sz="1400" b="1" dirty="0"/>
               <a:t>                     </a:t>
             </a:r>
+            <a:endParaRPr lang="en-IN" sz="1400" b="1" dirty="0"/>
           </a:p>
           <a:p>
             <a:r>
               <a:rPr lang="en-IN" sz="1400" b="1" dirty="0"/>
-              <a:t>                     </a:t>
-            </a:r>
-            <a:r>
-              <a:rPr lang="en-IN" sz="1400" dirty="0"/>
-              <a:t>Processor                           : Intel-core i3 or higher</a:t>
-            </a:r>
-          </a:p>
-          <a:p>
-            <a:r>
-              <a:rPr lang="en-IN" sz="1400" b="1" dirty="0"/>
-              <a:t>                     </a:t>
-            </a:r>
-            <a:r>
-              <a:rPr lang="en-IN" sz="1400" dirty="0"/>
-              <a:t>Hard Disk                           : 256 GB</a:t>
-            </a:r>
-          </a:p>
-          <a:p>
-            <a:r>
-              <a:rPr lang="en-IN" sz="1400" b="1" dirty="0"/>
-              <a:t>                     </a:t>
-            </a:r>
-            <a:r>
-              <a:rPr lang="en-IN" sz="1400" dirty="0"/>
-              <a:t>RAM                                    : 8 GB</a:t>
-            </a:r>
-            <a:endParaRPr lang="en-IN" sz="1400" b="1" dirty="0"/>
-          </a:p>
-        </p:txBody>
-      </p:sp>
-      <p:sp>
-        <p:nvSpPr>
-          <p:cNvPr id="6" name="TextBox 5">
-            <a:extLst>
-              <a:ext uri="{FF2B5EF4-FFF2-40B4-BE49-F238E27FC236}">
-                <a16:creationId xmlns:a16="http://schemas.microsoft.com/office/drawing/2014/main" id="{12F2221A-E8BC-749D-851B-F582BCDA576B}"/>
-              </a:ext>
-            </a:extLst>
-          </p:cNvPr>
+              <a:t>                    </a:t>
+            </a:r>
+            <a:r>
+              <a:rPr lang="en-US" altLang="en-IN" sz="1400" b="1" dirty="0"/>
+              <a:t>Device :                              HP PAVILLION </a:t>
+            </a:r>
+            <a:endParaRPr lang="en-US" altLang="en-IN" sz="1400" b="1" dirty="0"/>
+          </a:p>
+          <a:p>
+            <a:r>
+              <a:rPr lang="en-US" altLang="en-IN" sz="1400" b="1" dirty="0"/>
+              <a:t>                    Processor :                         12th Gen Intel(R) Core i5</a:t>
+            </a:r>
+            <a:endParaRPr lang="en-US" altLang="en-IN" sz="1400" b="1" dirty="0"/>
+          </a:p>
+          <a:p>
+            <a:r>
+              <a:rPr lang="en-US" altLang="en-IN" sz="1400" b="1" dirty="0"/>
+              <a:t>                    Hard Disk :                          512 GB</a:t>
+            </a:r>
+            <a:endParaRPr lang="en-US" altLang="en-IN" sz="1400" b="1" dirty="0"/>
+          </a:p>
+          <a:p>
+            <a:r>
+              <a:rPr lang="en-US" altLang="en-IN" sz="1400" b="1" dirty="0"/>
+              <a:t>                    Ram :                                  16GB</a:t>
+            </a:r>
+            <a:endParaRPr lang="en-US" altLang="en-IN" sz="1400" b="1" dirty="0"/>
+          </a:p>
+        </p:txBody>
+      </p:sp>
+      <p:sp>
+        <p:nvSpPr>
+          <p:cNvPr id="6" name="TextBox 5"/>
           <p:cNvSpPr txBox="1"/>
           <p:nvPr/>
         </p:nvSpPr>
         <p:spPr>
           <a:xfrm>
             <a:off x="1203766" y="3201473"/>
-            <a:ext cx="5334686" cy="1384995"/>
+            <a:ext cx="5334686" cy="1814830"/>
           </a:xfrm>
           <a:prstGeom prst="rect">
             <a:avLst/>
@@ -8336,22 +7873,14 @@
               <a:rPr lang="en-IN" sz="1400" b="1" dirty="0"/>
               <a:t>SOFTWARE REQUIRMENTS : </a:t>
             </a:r>
+            <a:endParaRPr lang="en-IN" sz="1400" b="1" dirty="0"/>
           </a:p>
           <a:p>
             <a:r>
               <a:rPr lang="en-IN" sz="1400" b="1" dirty="0"/>
               <a:t>                     </a:t>
             </a:r>
-          </a:p>
-          <a:p>
-            <a:r>
-              <a:rPr lang="en-IN" sz="1400" b="1" dirty="0"/>
-              <a:t>                    </a:t>
-            </a:r>
-            <a:r>
-              <a:rPr lang="en-IN" sz="1400" dirty="0"/>
-              <a:t>Operating system               : windows 10</a:t>
-            </a:r>
+            <a:endParaRPr lang="en-IN" sz="1400" b="1" dirty="0"/>
           </a:p>
           <a:p>
             <a:r>
@@ -8359,39 +7888,49 @@
               <a:t>                   </a:t>
             </a:r>
             <a:r>
-              <a:rPr lang="en-IN" sz="1400" dirty="0"/>
-              <a:t> Web browser                       : Google chrome</a:t>
-            </a:r>
-          </a:p>
-          <a:p>
-            <a:r>
-              <a:rPr lang="en-IN" sz="1400" b="1" dirty="0"/>
-              <a:t>                    </a:t>
-            </a:r>
-            <a:r>
-              <a:rPr lang="en-IN" sz="1400" dirty="0"/>
-              <a:t>Backend                             : Node.js , Express.js , </a:t>
-            </a:r>
-            <a:r>
-              <a:rPr lang="en-IN" sz="1400" dirty="0" err="1"/>
-              <a:t>JsON</a:t>
-            </a:r>
-            <a:endParaRPr lang="en-IN" sz="1400" dirty="0"/>
-          </a:p>
-          <a:p>
-            <a:r>
-              <a:rPr lang="en-IN" sz="1400" dirty="0"/>
-              <a:t>                    Version control                   : Git &amp; GitHub</a:t>
-            </a:r>
+              <a:rPr lang="en-US" altLang="en-IN" sz="1400" b="1" dirty="0"/>
+              <a:t>Operating System :            Windows 11 (64-bit OS)</a:t>
+            </a:r>
+            <a:endParaRPr lang="en-US" altLang="en-IN" sz="1400" b="1" dirty="0"/>
+          </a:p>
+          <a:p>
+            <a:r>
+              <a:rPr lang="en-US" altLang="en-IN" sz="1400" b="1" dirty="0"/>
+              <a:t>                   Frontend :                           HTML, CSS, Javascript,</a:t>
+            </a:r>
+            <a:endParaRPr lang="en-US" altLang="en-IN" sz="1400" b="1" dirty="0"/>
+          </a:p>
+          <a:p>
+            <a:r>
+              <a:rPr lang="en-US" altLang="en-IN" sz="1400" b="1" dirty="0"/>
+              <a:t>                   Backend :                           Node.js, Express.js</a:t>
+            </a:r>
+            <a:endParaRPr lang="en-US" altLang="en-IN" sz="1400" b="1" dirty="0"/>
+          </a:p>
+          <a:p>
+            <a:r>
+              <a:rPr lang="en-US" altLang="en-IN" sz="1400" b="1" dirty="0"/>
+              <a:t>                   Database :                          MangoDB</a:t>
+            </a:r>
+            <a:endParaRPr lang="en-US" altLang="en-IN" sz="1400" b="1" dirty="0"/>
+          </a:p>
+          <a:p>
+            <a:r>
+              <a:rPr lang="en-US" altLang="en-IN" sz="1400" b="1" dirty="0"/>
+              <a:t>                   Web Browser :                    Chrome</a:t>
+            </a:r>
+            <a:endParaRPr lang="en-US" altLang="en-IN" sz="1400" b="1" dirty="0"/>
+          </a:p>
+          <a:p>
+            <a:r>
+              <a:rPr lang="en-US" altLang="en-IN" sz="1400" b="1" dirty="0"/>
+              <a:t>                   Code Editor :                       VS Code</a:t>
+            </a:r>
+            <a:endParaRPr lang="en-US" altLang="en-IN" sz="1400" b="1" dirty="0"/>
           </a:p>
         </p:txBody>
       </p:sp>
     </p:spTree>
-    <p:extLst>
-      <p:ext uri="{BB962C8B-B14F-4D97-AF65-F5344CB8AC3E}">
-        <p14:creationId xmlns:p14="http://schemas.microsoft.com/office/powerpoint/2010/main" val="3647463441"/>
-      </p:ext>
-    </p:extLst>
   </p:cSld>
   <p:clrMapOvr>
     <a:masterClrMapping/>
@@ -8418,13 +7957,7 @@
       </p:grpSpPr>
       <p:sp>
         <p:nvSpPr>
-          <p:cNvPr id="2" name="Title 1">
-            <a:extLst>
-              <a:ext uri="{FF2B5EF4-FFF2-40B4-BE49-F238E27FC236}">
-                <a16:creationId xmlns:a16="http://schemas.microsoft.com/office/drawing/2014/main" id="{41799F6E-60B9-8C24-D016-288CC467CE74}"/>
-              </a:ext>
-            </a:extLst>
-          </p:cNvPr>
+          <p:cNvPr id="2" name="Title 1"/>
           <p:cNvSpPr>
             <a:spLocks noGrp="1"/>
           </p:cNvSpPr>
@@ -8448,18 +7981,13 @@
               <a:rPr lang="en-IN" sz="2400" b="1" u="sng" dirty="0"/>
               <a:t>SYSTEM DESIGNS</a:t>
             </a:r>
-          </a:p>
-        </p:txBody>
-      </p:sp>
-      <p:sp>
-        <p:nvSpPr>
-          <p:cNvPr id="3" name="Content Placeholder 2">
-            <a:extLst>
-              <a:ext uri="{FF2B5EF4-FFF2-40B4-BE49-F238E27FC236}">
-                <a16:creationId xmlns:a16="http://schemas.microsoft.com/office/drawing/2014/main" id="{6508DC77-E600-77B6-1B7E-CF84E4503DF7}"/>
-              </a:ext>
-            </a:extLst>
-          </p:cNvPr>
+            <a:endParaRPr lang="en-IN" sz="2400" b="1" u="sng" dirty="0"/>
+          </a:p>
+        </p:txBody>
+      </p:sp>
+      <p:sp>
+        <p:nvSpPr>
+          <p:cNvPr id="3" name="Content Placeholder 2"/>
           <p:cNvSpPr>
             <a:spLocks noGrp="1"/>
           </p:cNvSpPr>
@@ -8486,33 +8014,28 @@
               <a:rPr lang="en-IN" sz="1600" b="1" dirty="0"/>
               <a:t>Use case diagram :</a:t>
             </a:r>
+            <a:endParaRPr lang="en-IN" sz="1600" b="1" dirty="0"/>
           </a:p>
         </p:txBody>
       </p:sp>
       <p:pic>
         <p:nvPicPr>
-          <p:cNvPr id="5" name="Picture 4">
-            <a:extLst>
-              <a:ext uri="{FF2B5EF4-FFF2-40B4-BE49-F238E27FC236}">
-                <a16:creationId xmlns:a16="http://schemas.microsoft.com/office/drawing/2014/main" id="{F91398A1-97A0-D3E1-4DFE-ED39C7FFCB8B}"/>
-              </a:ext>
-            </a:extLst>
-          </p:cNvPr>
+          <p:cNvPr id="5" name="Picture 4"/>
           <p:cNvPicPr>
             <a:picLocks noChangeAspect="1"/>
           </p:cNvPicPr>
           <p:nvPr/>
         </p:nvPicPr>
         <p:blipFill>
-          <a:blip r:embed="rId2"/>
+          <a:blip r:embed="rId1"/>
           <a:stretch>
             <a:fillRect/>
           </a:stretch>
         </p:blipFill>
         <p:spPr>
           <a:xfrm>
-            <a:off x="3098800" y="1780336"/>
-            <a:ext cx="7162800" cy="4732224"/>
+            <a:off x="3695700" y="1709420"/>
+            <a:ext cx="6565900" cy="4803140"/>
           </a:xfrm>
           <a:prstGeom prst="rect">
             <a:avLst/>
@@ -8520,11 +8043,6 @@
         </p:spPr>
       </p:pic>
     </p:spTree>
-    <p:extLst>
-      <p:ext uri="{BB962C8B-B14F-4D97-AF65-F5344CB8AC3E}">
-        <p14:creationId xmlns:p14="http://schemas.microsoft.com/office/powerpoint/2010/main" val="1684978693"/>
-      </p:ext>
-    </p:extLst>
   </p:cSld>
   <p:clrMapOvr>
     <a:masterClrMapping/>
@@ -8551,13 +8069,7 @@
       </p:grpSpPr>
       <p:sp>
         <p:nvSpPr>
-          <p:cNvPr id="2" name="Title 1">
-            <a:extLst>
-              <a:ext uri="{FF2B5EF4-FFF2-40B4-BE49-F238E27FC236}">
-                <a16:creationId xmlns:a16="http://schemas.microsoft.com/office/drawing/2014/main" id="{15423252-4857-073C-334F-A196C42BAF47}"/>
-              </a:ext>
-            </a:extLst>
-          </p:cNvPr>
+          <p:cNvPr id="2" name="Title 1"/>
           <p:cNvSpPr>
             <a:spLocks noGrp="1"/>
           </p:cNvSpPr>
@@ -8581,18 +8093,13 @@
               <a:rPr lang="en-IN" sz="1600" b="1" dirty="0"/>
               <a:t>Sequence diagram :</a:t>
             </a:r>
+            <a:endParaRPr lang="en-IN" sz="1600" b="1" dirty="0"/>
           </a:p>
         </p:txBody>
       </p:sp>
       <p:pic>
         <p:nvPicPr>
-          <p:cNvPr id="5" name="Content Placeholder 4">
-            <a:extLst>
-              <a:ext uri="{FF2B5EF4-FFF2-40B4-BE49-F238E27FC236}">
-                <a16:creationId xmlns:a16="http://schemas.microsoft.com/office/drawing/2014/main" id="{00FF7FBD-8ABE-B758-87D9-163B009790F5}"/>
-              </a:ext>
-            </a:extLst>
-          </p:cNvPr>
+          <p:cNvPr id="5" name="Content Placeholder 4"/>
           <p:cNvPicPr>
             <a:picLocks noGrp="1" noChangeAspect="1"/>
           </p:cNvPicPr>
@@ -8601,7 +8108,7 @@
           </p:nvPr>
         </p:nvPicPr>
         <p:blipFill>
-          <a:blip r:embed="rId2"/>
+          <a:blip r:embed="rId1"/>
           <a:stretch>
             <a:fillRect/>
           </a:stretch>
@@ -8614,11 +8121,6 @@
         </p:spPr>
       </p:pic>
     </p:spTree>
-    <p:extLst>
-      <p:ext uri="{BB962C8B-B14F-4D97-AF65-F5344CB8AC3E}">
-        <p14:creationId xmlns:p14="http://schemas.microsoft.com/office/powerpoint/2010/main" val="481156348"/>
-      </p:ext>
-    </p:extLst>
   </p:cSld>
   <p:clrMapOvr>
     <a:masterClrMapping/>
@@ -8669,7 +8171,7 @@
     </a:clrScheme>
     <a:fontScheme name="Crop">
       <a:majorFont>
-        <a:latin typeface="Franklin Gothic Book" panose="020B0503020102020204"/>
+        <a:latin typeface="Franklin Gothic Book"/>
         <a:ea typeface=""/>
         <a:cs typeface=""/>
         <a:font script="Jpan" typeface="メイリオ"/>
@@ -8704,7 +8206,7 @@
         <a:font script="Geor" typeface="Sylfaen"/>
       </a:majorFont>
       <a:minorFont>
-        <a:latin typeface="Franklin Gothic Book" panose="020B0503020102020204"/>
+        <a:latin typeface="Franklin Gothic Book"/>
         <a:ea typeface=""/>
         <a:cs typeface=""/>
         <a:font script="Jpan" typeface="メイリオ"/>
@@ -8874,11 +8376,9 @@
       </a:bgFillStyleLst>
     </a:fmtScheme>
   </a:themeElements>
-  <a:objectDefaults/>
-  <a:extraClrSchemeLst/>
   <a:extLst>
     <a:ext uri="{05A4C25C-085E-4340-85A3-A5531E510DB2}">
-      <thm15:themeFamily xmlns:thm15="http://schemas.microsoft.com/office/thememl/2012/main" name="Crop" id="{EC9488ED-E761-4D60-9AC4-764D1FE2C171}" vid="{CE19780C-D67D-4C13-9DE9-A52BC3BA51B4}"/>
+      <thm15:themeFamily xmlns:thm15="http://schemas.microsoft.com/office/thememl/2012/main" name="Office Theme" id="{62F939B6-93AF-4DB8-9C6B-D6C7DFDC589F}" vid="{4A3C46E8-61CC-4603-A589-7422A47A8E4A}"/>
     </a:ext>
   </a:extLst>
 </a:theme>
